--- a/docs/Presentación de Indignado Framework.pptx
+++ b/docs/Presentación de Indignado Framework.pptx
@@ -6,23 +6,25 @@
     <p:sldMasterId id="2147483820" r:id="rId2"/>
   </p:sldMasterIdLst>
   <p:notesMasterIdLst>
-    <p:notesMasterId r:id="rId14"/>
+    <p:notesMasterId r:id="rId16"/>
   </p:notesMasterIdLst>
   <p:handoutMasterIdLst>
-    <p:handoutMasterId r:id="rId15"/>
+    <p:handoutMasterId r:id="rId17"/>
   </p:handoutMasterIdLst>
   <p:sldIdLst>
     <p:sldId id="257" r:id="rId3"/>
     <p:sldId id="258" r:id="rId4"/>
     <p:sldId id="279" r:id="rId5"/>
     <p:sldId id="271" r:id="rId6"/>
-    <p:sldId id="272" r:id="rId7"/>
-    <p:sldId id="273" r:id="rId8"/>
-    <p:sldId id="274" r:id="rId9"/>
-    <p:sldId id="275" r:id="rId10"/>
-    <p:sldId id="276" r:id="rId11"/>
-    <p:sldId id="277" r:id="rId12"/>
-    <p:sldId id="278" r:id="rId13"/>
+    <p:sldId id="280" r:id="rId7"/>
+    <p:sldId id="281" r:id="rId8"/>
+    <p:sldId id="272" r:id="rId9"/>
+    <p:sldId id="273" r:id="rId10"/>
+    <p:sldId id="274" r:id="rId11"/>
+    <p:sldId id="275" r:id="rId12"/>
+    <p:sldId id="276" r:id="rId13"/>
+    <p:sldId id="277" r:id="rId14"/>
+    <p:sldId id="278" r:id="rId15"/>
   </p:sldIdLst>
   <p:sldSz cx="9144000" cy="6858000" type="screen4x3"/>
   <p:notesSz cx="6858000" cy="9144000"/>
@@ -207,7 +209,7 @@
             <a:fld id="{54D4857D-62A5-486B-9129-468003D7E020}" type="datetimeFigureOut">
               <a:rPr lang="es-ES" smtClean="0"/>
               <a:pPr/>
-              <a:t>09/07/2012</a:t>
+              <a:t>10/07/2012</a:t>
             </a:fld>
             <a:endParaRPr lang="es-ES"/>
           </a:p>
@@ -283,6 +285,11 @@
         </p:txBody>
       </p:sp>
     </p:spTree>
+    <p:extLst>
+      <p:ext uri="{BB962C8B-B14F-4D97-AF65-F5344CB8AC3E}">
+        <p14:creationId xmlns:p14="http://schemas.microsoft.com/office/powerpoint/2010/main" val="1837548890"/>
+      </p:ext>
+    </p:extLst>
   </p:cSld>
   <p:clrMap bg1="lt1" tx1="dk1" bg2="lt2" tx2="dk2" accent1="accent1" accent2="accent2" accent3="accent3" accent4="accent4" accent5="accent5" accent6="accent6" hlink="hlink" folHlink="folHlink"/>
 </p:handoutMaster>
@@ -547,6 +554,11 @@
         </p:txBody>
       </p:sp>
     </p:spTree>
+    <p:extLst>
+      <p:ext uri="{BB962C8B-B14F-4D97-AF65-F5344CB8AC3E}">
+        <p14:creationId xmlns:p14="http://schemas.microsoft.com/office/powerpoint/2010/main" val="1008310771"/>
+      </p:ext>
+    </p:extLst>
   </p:cSld>
   <p:clrMap bg1="lt1" tx1="dk1" bg2="lt2" tx2="dk2" accent1="accent1" accent2="accent2" accent3="accent3" accent4="accent4" accent5="accent5" accent6="accent6" hlink="hlink" folHlink="folHlink"/>
   <p:notesStyle>
@@ -884,6 +896,174 @@
               <a:rPr lang="es-ES" smtClean="0"/>
               <a:pPr/>
               <a:t>11</a:t>
+            </a:fld>
+            <a:endParaRPr lang="es-ES"/>
+          </a:p>
+        </p:txBody>
+      </p:sp>
+    </p:spTree>
+  </p:cSld>
+  <p:clrMapOvr>
+    <a:masterClrMapping/>
+  </p:clrMapOvr>
+</p:notes>
+</file>
+
+<file path=ppt/notesSlides/notesSlide12.xml><?xml version="1.0" encoding="utf-8"?>
+<p:notes xmlns:a="http://schemas.openxmlformats.org/drawingml/2006/main" xmlns:r="http://schemas.openxmlformats.org/officeDocument/2006/relationships" xmlns:p="http://schemas.openxmlformats.org/presentationml/2006/main">
+  <p:cSld>
+    <p:spTree>
+      <p:nvGrpSpPr>
+        <p:cNvPr id="1" name=""/>
+        <p:cNvGrpSpPr/>
+        <p:nvPr/>
+      </p:nvGrpSpPr>
+      <p:grpSpPr>
+        <a:xfrm>
+          <a:off x="0" y="0"/>
+          <a:ext cx="0" cy="0"/>
+          <a:chOff x="0" y="0"/>
+          <a:chExt cx="0" cy="0"/>
+        </a:xfrm>
+      </p:grpSpPr>
+      <p:sp>
+        <p:nvSpPr>
+          <p:cNvPr id="2" name="Rectangle 2"/>
+          <p:cNvSpPr>
+            <a:spLocks noGrp="1" noRot="1" noChangeAspect="1"/>
+          </p:cNvSpPr>
+          <p:nvPr>
+            <p:ph type="sldImg"/>
+          </p:nvPr>
+        </p:nvSpPr>
+        <p:spPr/>
+      </p:sp>
+      <p:sp>
+        <p:nvSpPr>
+          <p:cNvPr id="3" name="Rectangle 3"/>
+          <p:cNvSpPr>
+            <a:spLocks noGrp="1"/>
+          </p:cNvSpPr>
+          <p:nvPr>
+            <p:ph type="body" idx="1"/>
+          </p:nvPr>
+        </p:nvSpPr>
+        <p:spPr/>
+        <p:txBody>
+          <a:bodyPr/>
+          <a:lstStyle>
+            <a:extLst/>
+          </a:lstStyle>
+          <a:p>
+            <a:endParaRPr lang="es-ES"/>
+          </a:p>
+        </p:txBody>
+      </p:sp>
+      <p:sp>
+        <p:nvSpPr>
+          <p:cNvPr id="4" name="Rectangle 4"/>
+          <p:cNvSpPr>
+            <a:spLocks noGrp="1"/>
+          </p:cNvSpPr>
+          <p:nvPr>
+            <p:ph type="sldNum" sz="quarter" idx="10"/>
+          </p:nvPr>
+        </p:nvSpPr>
+        <p:spPr/>
+        <p:txBody>
+          <a:bodyPr/>
+          <a:lstStyle>
+            <a:extLst/>
+          </a:lstStyle>
+          <a:p>
+            <a:fld id="{61807874-5299-41B2-A37A-6AA3547857F4}" type="slidenum">
+              <a:rPr lang="es-ES" smtClean="0"/>
+              <a:pPr/>
+              <a:t>12</a:t>
+            </a:fld>
+            <a:endParaRPr lang="es-ES"/>
+          </a:p>
+        </p:txBody>
+      </p:sp>
+    </p:spTree>
+  </p:cSld>
+  <p:clrMapOvr>
+    <a:masterClrMapping/>
+  </p:clrMapOvr>
+</p:notes>
+</file>
+
+<file path=ppt/notesSlides/notesSlide13.xml><?xml version="1.0" encoding="utf-8"?>
+<p:notes xmlns:a="http://schemas.openxmlformats.org/drawingml/2006/main" xmlns:r="http://schemas.openxmlformats.org/officeDocument/2006/relationships" xmlns:p="http://schemas.openxmlformats.org/presentationml/2006/main">
+  <p:cSld>
+    <p:spTree>
+      <p:nvGrpSpPr>
+        <p:cNvPr id="1" name=""/>
+        <p:cNvGrpSpPr/>
+        <p:nvPr/>
+      </p:nvGrpSpPr>
+      <p:grpSpPr>
+        <a:xfrm>
+          <a:off x="0" y="0"/>
+          <a:ext cx="0" cy="0"/>
+          <a:chOff x="0" y="0"/>
+          <a:chExt cx="0" cy="0"/>
+        </a:xfrm>
+      </p:grpSpPr>
+      <p:sp>
+        <p:nvSpPr>
+          <p:cNvPr id="2" name="Rectangle 2"/>
+          <p:cNvSpPr>
+            <a:spLocks noGrp="1" noRot="1" noChangeAspect="1"/>
+          </p:cNvSpPr>
+          <p:nvPr>
+            <p:ph type="sldImg"/>
+          </p:nvPr>
+        </p:nvSpPr>
+        <p:spPr/>
+      </p:sp>
+      <p:sp>
+        <p:nvSpPr>
+          <p:cNvPr id="3" name="Rectangle 3"/>
+          <p:cNvSpPr>
+            <a:spLocks noGrp="1"/>
+          </p:cNvSpPr>
+          <p:nvPr>
+            <p:ph type="body" idx="1"/>
+          </p:nvPr>
+        </p:nvSpPr>
+        <p:spPr/>
+        <p:txBody>
+          <a:bodyPr/>
+          <a:lstStyle>
+            <a:extLst/>
+          </a:lstStyle>
+          <a:p>
+            <a:endParaRPr lang="es-ES"/>
+          </a:p>
+        </p:txBody>
+      </p:sp>
+      <p:sp>
+        <p:nvSpPr>
+          <p:cNvPr id="4" name="Rectangle 4"/>
+          <p:cNvSpPr>
+            <a:spLocks noGrp="1"/>
+          </p:cNvSpPr>
+          <p:nvPr>
+            <p:ph type="sldNum" sz="quarter" idx="10"/>
+          </p:nvPr>
+        </p:nvSpPr>
+        <p:spPr/>
+        <p:txBody>
+          <a:bodyPr/>
+          <a:lstStyle>
+            <a:extLst/>
+          </a:lstStyle>
+          <a:p>
+            <a:fld id="{61807874-5299-41B2-A37A-6AA3547857F4}" type="slidenum">
+              <a:rPr lang="es-ES" smtClean="0"/>
+              <a:pPr/>
+              <a:t>13</a:t>
             </a:fld>
             <a:endParaRPr lang="es-ES"/>
           </a:p>
@@ -2420,7 +2600,7 @@
             <a:fld id="{8F67D422-08A8-451B-9A67-21962FC4B660}" type="datetimeFigureOut">
               <a:rPr kumimoji="0" lang="es-ES" sz="1100"/>
               <a:pPr algn="r"/>
-              <a:t>09/07/2012</a:t>
+              <a:t>10/07/2012</a:t>
             </a:fld>
             <a:endParaRPr kumimoji="0" lang="es-ES"/>
           </a:p>
@@ -2740,7 +2920,7 @@
             <a:fld id="{8F67D422-08A8-451B-9A67-21962FC4B660}" type="datetimeFigureOut">
               <a:rPr kumimoji="0" lang="es-ES" sz="1100" smtClean="0"/>
               <a:pPr algn="r"/>
-              <a:t>09/07/2012</a:t>
+              <a:t>10/07/2012</a:t>
             </a:fld>
             <a:endParaRPr kumimoji="0" lang="es-ES"/>
           </a:p>
@@ -3072,7 +3252,7 @@
             <a:fld id="{8F67D422-08A8-451B-9A67-21962FC4B660}" type="datetimeFigureOut">
               <a:rPr kumimoji="0" lang="es-ES" sz="1100" smtClean="0"/>
               <a:pPr algn="r"/>
-              <a:t>09/07/2012</a:t>
+              <a:t>10/07/2012</a:t>
             </a:fld>
             <a:endParaRPr kumimoji="0" lang="es-ES"/>
           </a:p>
@@ -3317,7 +3497,7 @@
             <a:fld id="{8F67D422-08A8-451B-9A67-21962FC4B660}" type="datetimeFigureOut">
               <a:rPr kumimoji="0" lang="es-ES" sz="1100" smtClean="0"/>
               <a:pPr algn="r"/>
-              <a:t>09/07/2012</a:t>
+              <a:t>10/07/2012</a:t>
             </a:fld>
             <a:endParaRPr kumimoji="0" lang="es-ES" sz="1050"/>
           </a:p>
@@ -3584,7 +3764,7 @@
             <a:fld id="{8F67D422-08A8-451B-9A67-21962FC4B660}" type="datetimeFigureOut">
               <a:rPr kumimoji="0" lang="es-ES" sz="1100" smtClean="0"/>
               <a:pPr algn="r"/>
-              <a:t>09/07/2012</a:t>
+              <a:t>10/07/2012</a:t>
             </a:fld>
             <a:endParaRPr kumimoji="0" lang="es-ES" sz="1050"/>
           </a:p>
@@ -3965,7 +4145,7 @@
             <a:fld id="{8F67D422-08A8-451B-9A67-21962FC4B660}" type="datetimeFigureOut">
               <a:rPr kumimoji="0" lang="es-ES" sz="1100" smtClean="0"/>
               <a:pPr algn="r"/>
-              <a:t>09/07/2012</a:t>
+              <a:t>10/07/2012</a:t>
             </a:fld>
             <a:endParaRPr kumimoji="0" lang="es-ES" sz="1050"/>
           </a:p>
@@ -4118,7 +4298,7 @@
             <a:fld id="{8F67D422-08A8-451B-9A67-21962FC4B660}" type="datetimeFigureOut">
               <a:rPr kumimoji="0" lang="es-ES" sz="1100" smtClean="0"/>
               <a:pPr algn="r"/>
-              <a:t>09/07/2012</a:t>
+              <a:t>10/07/2012</a:t>
             </a:fld>
             <a:endParaRPr kumimoji="0" lang="es-ES" sz="1050"/>
           </a:p>
@@ -4211,7 +4391,7 @@
             <a:fld id="{8F67D422-08A8-451B-9A67-21962FC4B660}" type="datetimeFigureOut">
               <a:rPr kumimoji="0" lang="es-ES" sz="1100" smtClean="0"/>
               <a:pPr algn="r"/>
-              <a:t>09/07/2012</a:t>
+              <a:t>10/07/2012</a:t>
             </a:fld>
             <a:endParaRPr kumimoji="0" lang="es-ES" sz="1050"/>
           </a:p>
@@ -4475,7 +4655,7 @@
             <a:fld id="{8F67D422-08A8-451B-9A67-21962FC4B660}" type="datetimeFigureOut">
               <a:rPr kumimoji="0" lang="es-ES" sz="1100" smtClean="0"/>
               <a:pPr algn="r"/>
-              <a:t>09/07/2012</a:t>
+              <a:t>10/07/2012</a:t>
             </a:fld>
             <a:endParaRPr kumimoji="0" lang="es-ES" sz="1050"/>
           </a:p>
@@ -4766,7 +4946,7 @@
             <a:fld id="{8F67D422-08A8-451B-9A67-21962FC4B660}" type="datetimeFigureOut">
               <a:rPr kumimoji="0" lang="es-ES" sz="1100" smtClean="0"/>
               <a:pPr algn="r"/>
-              <a:t>09/07/2012</a:t>
+              <a:t>10/07/2012</a:t>
             </a:fld>
             <a:endParaRPr kumimoji="0" lang="es-ES" sz="1050"/>
           </a:p>
@@ -5241,7 +5421,7 @@
             <a:fld id="{8F67D422-08A8-451B-9A67-21962FC4B660}" type="datetimeFigureOut">
               <a:rPr kumimoji="0" lang="es-ES" sz="1100" smtClean="0"/>
               <a:pPr algn="r"/>
-              <a:t>09/07/2012</a:t>
+              <a:t>10/07/2012</a:t>
             </a:fld>
             <a:endParaRPr kumimoji="0" lang="es-ES" sz="1050"/>
           </a:p>
@@ -5390,7 +5570,7 @@
             <a:fld id="{8F67D422-08A8-451B-9A67-21962FC4B660}" type="datetimeFigureOut">
               <a:rPr kumimoji="0" lang="es-ES" sz="1100"/>
               <a:pPr algn="r"/>
-              <a:t>09/07/2012</a:t>
+              <a:t>10/07/2012</a:t>
             </a:fld>
             <a:endParaRPr kumimoji="0" lang="es-ES"/>
           </a:p>
@@ -5605,7 +5785,7 @@
             <a:fld id="{8F67D422-08A8-451B-9A67-21962FC4B660}" type="datetimeFigureOut">
               <a:rPr kumimoji="0" lang="es-ES" sz="1100" smtClean="0"/>
               <a:pPr algn="r"/>
-              <a:t>09/07/2012</a:t>
+              <a:t>10/07/2012</a:t>
             </a:fld>
             <a:endParaRPr kumimoji="0" lang="es-ES" sz="1050"/>
           </a:p>
@@ -5700,7 +5880,7 @@
             <a:fld id="{8F67D422-08A8-451B-9A67-21962FC4B660}" type="datetimeFigureOut">
               <a:rPr kumimoji="0" lang="es-ES" sz="1100"/>
               <a:pPr algn="r"/>
-              <a:t>09/07/2012</a:t>
+              <a:t>10/07/2012</a:t>
             </a:fld>
             <a:endParaRPr kumimoji="0" lang="es-ES"/>
           </a:p>
@@ -6069,7 +6249,7 @@
                                     <p:cond delay="0"/>
                                   </p:stCondLst>
                                   <p:childTnLst>
-                                    <p:animClr clrSpc="rgb">
+                                    <p:animClr clrSpc="rgb" dir="cw">
                                       <p:cBhvr override="childStyle">
                                         <p:cTn id="6" dur="500" fill="hold"/>
                                         <p:tgtEl>
@@ -6588,7 +6768,7 @@
                                     <p:cond delay="0"/>
                                   </p:stCondLst>
                                   <p:childTnLst>
-                                    <p:animClr clrSpc="rgb">
+                                    <p:animClr clrSpc="rgb" dir="cw">
                                       <p:cBhvr override="childStyle">
                                         <p:cTn id="6" dur="500" fill="hold"/>
                                         <p:tgtEl>
@@ -10273,7 +10453,7 @@
             <a:fld id="{8F67D422-08A8-451B-9A67-21962FC4B660}" type="datetimeFigureOut">
               <a:rPr kumimoji="0" lang="es-ES" sz="1100"/>
               <a:pPr algn="r"/>
-              <a:t>09/07/2012</a:t>
+              <a:t>10/07/2012</a:t>
             </a:fld>
             <a:endParaRPr kumimoji="0" lang="es-ES" sz="1050"/>
           </a:p>
@@ -11710,7 +11890,7 @@
             <a:fld id="{8F67D422-08A8-451B-9A67-21962FC4B660}" type="datetimeFigureOut">
               <a:rPr kumimoji="0" lang="es-ES" sz="1100" smtClean="0"/>
               <a:pPr algn="r"/>
-              <a:t>09/07/2012</a:t>
+              <a:t>10/07/2012</a:t>
             </a:fld>
             <a:endParaRPr kumimoji="0" lang="es-ES" sz="1050"/>
           </a:p>
@@ -12757,7 +12937,37 @@
       </p:grpSpPr>
       <p:sp>
         <p:nvSpPr>
-          <p:cNvPr id="5" name="Rectangle 6"/>
+          <p:cNvPr id="28" name="Rectangle 6"/>
+          <p:cNvSpPr>
+            <a:spLocks noGrp="1"/>
+          </p:cNvSpPr>
+          <p:nvPr>
+            <p:ph type="title"/>
+          </p:nvPr>
+        </p:nvSpPr>
+        <p:spPr>
+          <a:xfrm>
+            <a:off x="642910" y="142852"/>
+            <a:ext cx="8229600" cy="1143000"/>
+          </a:xfrm>
+        </p:spPr>
+        <p:txBody>
+          <a:bodyPr/>
+          <a:lstStyle>
+            <a:extLst/>
+          </a:lstStyle>
+          <a:p>
+            <a:r>
+              <a:rPr lang="es-ES" dirty="0" smtClean="0"/>
+              <a:t>Seguridad:</a:t>
+            </a:r>
+            <a:endParaRPr lang="es-ES" dirty="0"/>
+          </a:p>
+        </p:txBody>
+      </p:sp>
+      <p:sp>
+        <p:nvSpPr>
+          <p:cNvPr id="6" name="Rectangle 6"/>
           <p:cNvSpPr txBox="1">
             <a:spLocks/>
           </p:cNvSpPr>
@@ -12765,8 +12975,8 @@
         </p:nvSpPr>
         <p:spPr>
           <a:xfrm>
-            <a:off x="428596" y="1071546"/>
-            <a:ext cx="8229600" cy="1857388"/>
+            <a:off x="571472" y="1571612"/>
+            <a:ext cx="8229600" cy="1143000"/>
           </a:xfrm>
           <a:prstGeom prst="rect">
             <a:avLst/>
@@ -12792,6 +13002,38 @@
               </a:spcAft>
               <a:buClrTx/>
               <a:buSzTx/>
+              <a:buFontTx/>
+              <a:buNone/>
+              <a:tabLst/>
+              <a:defRPr/>
+            </a:pPr>
+            <a:r>
+              <a:rPr sz="3600" smtClean="0">
+                <a:solidFill>
+                  <a:schemeClr val="tx2"/>
+                </a:solidFill>
+                <a:latin typeface="+mj-lt"/>
+                <a:ea typeface="+mj-ea"/>
+                <a:cs typeface="+mj-cs"/>
+              </a:rPr>
+              <a:t>-Provee encriptación password usuario</a:t>
+            </a:r>
+          </a:p>
+          <a:p>
+            <a:pPr marL="0" marR="0" lvl="0" indent="0" algn="l" defTabSz="914400" rtl="0" eaLnBrk="1" fontAlgn="auto" latinLnBrk="0" hangingPunct="1">
+              <a:lnSpc>
+                <a:spcPct val="100000"/>
+              </a:lnSpc>
+              <a:spcBef>
+                <a:spcPct val="0"/>
+              </a:spcBef>
+              <a:spcAft>
+                <a:spcPts val="0"/>
+              </a:spcAft>
+              <a:buClrTx/>
+              <a:buSzTx/>
+              <a:buFontTx/>
+              <a:buNone/>
               <a:tabLst/>
               <a:defRPr/>
             </a:pPr>
@@ -12812,9 +13054,35 @@
           </a:p>
         </p:txBody>
       </p:sp>
-      <p:sp>
-        <p:nvSpPr>
-          <p:cNvPr id="6" name="Rectangle 6"/>
+      <p:pic>
+        <p:nvPicPr>
+          <p:cNvPr id="3076" name="Picture 4" descr="C:\Users\Vanessa\Desktop\password.jpg"/>
+          <p:cNvPicPr>
+            <a:picLocks noChangeAspect="1" noChangeArrowheads="1"/>
+          </p:cNvPicPr>
+          <p:nvPr/>
+        </p:nvPicPr>
+        <p:blipFill>
+          <a:blip r:embed="rId3"/>
+          <a:srcRect/>
+          <a:stretch>
+            <a:fillRect/>
+          </a:stretch>
+        </p:blipFill>
+        <p:spPr bwMode="auto">
+          <a:xfrm>
+            <a:off x="714348" y="2928934"/>
+            <a:ext cx="7191375" cy="1562100"/>
+          </a:xfrm>
+          <a:prstGeom prst="rect">
+            <a:avLst/>
+          </a:prstGeom>
+          <a:noFill/>
+        </p:spPr>
+      </p:pic>
+      <p:sp>
+        <p:nvSpPr>
+          <p:cNvPr id="8" name="Rectangle 6"/>
           <p:cNvSpPr txBox="1">
             <a:spLocks/>
           </p:cNvSpPr>
@@ -12822,7 +13090,7 @@
         </p:nvSpPr>
         <p:spPr>
           <a:xfrm>
-            <a:off x="500034" y="1142984"/>
+            <a:off x="571472" y="4429132"/>
             <a:ext cx="8229600" cy="1857388"/>
           </a:xfrm>
           <a:prstGeom prst="rect">
@@ -12831,7 +13099,7 @@
         </p:spPr>
         <p:txBody>
           <a:bodyPr vert="horz" lIns="0" rIns="0" bIns="0" anchor="b">
-            <a:normAutofit/>
+            <a:normAutofit fontScale="92500" lnSpcReduction="10000"/>
           </a:bodyPr>
           <a:lstStyle>
             <a:extLst/>
@@ -12852,63 +13120,6 @@
               <a:tabLst/>
               <a:defRPr/>
             </a:pPr>
-            <a:endParaRPr kumimoji="0" lang="es-ES" sz="3600" b="0" i="0" u="none" strike="noStrike" kern="1200" cap="none" spc="0" normalizeH="0" baseline="0" noProof="0" dirty="0">
-              <a:ln>
-                <a:noFill/>
-              </a:ln>
-              <a:solidFill>
-                <a:schemeClr val="tx2"/>
-              </a:solidFill>
-              <a:effectLst/>
-              <a:uLnTx/>
-              <a:uFillTx/>
-              <a:latin typeface="+mj-lt"/>
-              <a:ea typeface="+mj-ea"/>
-              <a:cs typeface="+mj-cs"/>
-            </a:endParaRPr>
-          </a:p>
-        </p:txBody>
-      </p:sp>
-      <p:sp>
-        <p:nvSpPr>
-          <p:cNvPr id="7" name="Rectangle 6"/>
-          <p:cNvSpPr txBox="1">
-            <a:spLocks/>
-          </p:cNvSpPr>
-          <p:nvPr/>
-        </p:nvSpPr>
-        <p:spPr>
-          <a:xfrm>
-            <a:off x="428596" y="642918"/>
-            <a:ext cx="8229600" cy="5643602"/>
-          </a:xfrm>
-          <a:prstGeom prst="rect">
-            <a:avLst/>
-          </a:prstGeom>
-        </p:spPr>
-        <p:txBody>
-          <a:bodyPr vert="horz" lIns="0" rIns="0" bIns="0" anchor="b">
-            <a:normAutofit fontScale="92500" lnSpcReduction="20000"/>
-          </a:bodyPr>
-          <a:lstStyle>
-            <a:extLst/>
-          </a:lstStyle>
-          <a:p>
-            <a:pPr marL="0" marR="0" lvl="0" indent="0" algn="l" defTabSz="914400" rtl="0" eaLnBrk="1" fontAlgn="auto" latinLnBrk="0" hangingPunct="1">
-              <a:lnSpc>
-                <a:spcPct val="100000"/>
-              </a:lnSpc>
-              <a:spcBef>
-                <a:spcPct val="0"/>
-              </a:spcBef>
-              <a:spcAft>
-                <a:spcPts val="0"/>
-              </a:spcAft>
-              <a:buClrTx/>
-              <a:buSzTx/>
-              <a:tabLst/>
-              <a:defRPr/>
-            </a:pPr>
             <a:r>
               <a:rPr sz="3600" smtClean="0">
                 <a:solidFill>
@@ -12918,33 +13129,8 @@
                 <a:ea typeface="+mj-ea"/>
                 <a:cs typeface="+mj-cs"/>
               </a:rPr>
-              <a:t>Mejoras previstas:</a:t>
-            </a:r>
-          </a:p>
-          <a:p>
-            <a:pPr marL="0" marR="0" lvl="0" indent="0" algn="l" defTabSz="914400" rtl="0" eaLnBrk="1" fontAlgn="auto" latinLnBrk="0" hangingPunct="1">
-              <a:lnSpc>
-                <a:spcPct val="100000"/>
-              </a:lnSpc>
-              <a:spcBef>
-                <a:spcPct val="0"/>
-              </a:spcBef>
-              <a:spcAft>
-                <a:spcPts val="0"/>
-              </a:spcAft>
-              <a:buClrTx/>
-              <a:buSzTx/>
-              <a:tabLst/>
-              <a:defRPr/>
-            </a:pPr>
-            <a:endParaRPr sz="3600" smtClean="0">
-              <a:solidFill>
-                <a:schemeClr val="tx2"/>
-              </a:solidFill>
-              <a:latin typeface="+mj-lt"/>
-              <a:ea typeface="+mj-ea"/>
-              <a:cs typeface="+mj-cs"/>
-            </a:endParaRPr>
+              <a:t>Controles de seguridad previstos:</a:t>
+            </a:r>
           </a:p>
           <a:p>
             <a:pPr marL="0" marR="0" lvl="0" indent="0" algn="l" defTabSz="914400" rtl="0" eaLnBrk="1" fontAlgn="auto" latinLnBrk="0" hangingPunct="1">
@@ -12965,15 +13151,21 @@
               <a:defRPr/>
             </a:pPr>
             <a:r>
-              <a:rPr sz="3600" smtClean="0">
+              <a:rPr kumimoji="0" sz="3600" b="0" i="0" u="none" strike="noStrike" kern="1200" cap="none" spc="0" normalizeH="0" baseline="0" noProof="0" smtClean="0">
+                <a:ln>
+                  <a:noFill/>
+                </a:ln>
                 <a:solidFill>
                   <a:schemeClr val="tx2"/>
                 </a:solidFill>
+                <a:effectLst/>
+                <a:uLnTx/>
+                <a:uFillTx/>
                 <a:latin typeface="+mj-lt"/>
                 <a:ea typeface="+mj-ea"/>
                 <a:cs typeface="+mj-cs"/>
               </a:rPr>
-              <a:t>Comentarios a contenidos y convocatorias.</a:t>
+              <a:t>Recuperacion Usuario y contraseña.</a:t>
             </a:r>
           </a:p>
           <a:p>
@@ -12994,14 +13186,40 @@
               <a:tabLst/>
               <a:defRPr/>
             </a:pPr>
-            <a:endParaRPr sz="3600" smtClean="0">
-              <a:solidFill>
-                <a:schemeClr val="tx2"/>
-              </a:solidFill>
-              <a:latin typeface="+mj-lt"/>
-              <a:ea typeface="+mj-ea"/>
-              <a:cs typeface="+mj-cs"/>
-            </a:endParaRPr>
+            <a:r>
+              <a:rPr kumimoji="0" sz="3600" b="0" i="0" u="none" strike="noStrike" kern="1200" cap="none" spc="0" normalizeH="0" baseline="0" noProof="0" smtClean="0">
+                <a:ln>
+                  <a:noFill/>
+                </a:ln>
+                <a:solidFill>
+                  <a:schemeClr val="tx2"/>
+                </a:solidFill>
+                <a:effectLst/>
+                <a:uLnTx/>
+                <a:uFillTx/>
+                <a:latin typeface="+mj-lt"/>
+                <a:ea typeface="+mj-ea"/>
+                <a:cs typeface="+mj-cs"/>
+              </a:rPr>
+              <a:t>Confirmación</a:t>
+            </a:r>
+            <a:r>
+              <a:rPr kumimoji="0" sz="3600" b="0" i="0" u="none" strike="noStrike" kern="1200" cap="none" spc="0" normalizeH="0" noProof="0" smtClean="0">
+                <a:ln>
+                  <a:noFill/>
+                </a:ln>
+                <a:solidFill>
+                  <a:schemeClr val="tx2"/>
+                </a:solidFill>
+                <a:effectLst/>
+                <a:uLnTx/>
+                <a:uFillTx/>
+                <a:latin typeface="+mj-lt"/>
+                <a:ea typeface="+mj-ea"/>
+                <a:cs typeface="+mj-cs"/>
+              </a:rPr>
+              <a:t> correo electronico</a:t>
+            </a:r>
           </a:p>
           <a:p>
             <a:pPr marL="0" marR="0" lvl="0" indent="0" algn="l" defTabSz="914400" rtl="0" eaLnBrk="1" fontAlgn="auto" latinLnBrk="0" hangingPunct="1">
@@ -13022,7 +13240,7 @@
               <a:defRPr/>
             </a:pPr>
             <a:r>
-              <a:rPr sz="3600" smtClean="0">
+              <a:rPr sz="3600" baseline="0" smtClean="0">
                 <a:solidFill>
                   <a:schemeClr val="tx2"/>
                 </a:solidFill>
@@ -13030,278 +13248,9 @@
                 <a:ea typeface="+mj-ea"/>
                 <a:cs typeface="+mj-cs"/>
               </a:rPr>
-              <a:t>Mejoras en interfaces BackOffice.</a:t>
-            </a:r>
-          </a:p>
-          <a:p>
-            <a:pPr marL="0" marR="0" lvl="0" indent="0" algn="l" defTabSz="914400" rtl="0" eaLnBrk="1" fontAlgn="auto" latinLnBrk="0" hangingPunct="1">
-              <a:lnSpc>
-                <a:spcPct val="100000"/>
-              </a:lnSpc>
-              <a:spcBef>
-                <a:spcPct val="0"/>
-              </a:spcBef>
-              <a:spcAft>
-                <a:spcPts val="0"/>
-              </a:spcAft>
-              <a:buClrTx/>
-              <a:buSzTx/>
-              <a:buFontTx/>
-              <a:buChar char="-"/>
-              <a:tabLst/>
-              <a:defRPr/>
-            </a:pPr>
-            <a:endParaRPr sz="3600" smtClean="0">
-              <a:solidFill>
-                <a:schemeClr val="tx2"/>
-              </a:solidFill>
-              <a:latin typeface="+mj-lt"/>
-              <a:ea typeface="+mj-ea"/>
-              <a:cs typeface="+mj-cs"/>
-            </a:endParaRPr>
-          </a:p>
-          <a:p>
-            <a:pPr marL="0" marR="0" lvl="0" indent="0" algn="l" defTabSz="914400" rtl="0" eaLnBrk="1" fontAlgn="auto" latinLnBrk="0" hangingPunct="1">
-              <a:lnSpc>
-                <a:spcPct val="100000"/>
-              </a:lnSpc>
-              <a:spcBef>
-                <a:spcPct val="0"/>
-              </a:spcBef>
-              <a:spcAft>
-                <a:spcPts val="0"/>
-              </a:spcAft>
-              <a:buClrTx/>
-              <a:buSzTx/>
-              <a:buFontTx/>
-              <a:buChar char="-"/>
-              <a:tabLst/>
-              <a:defRPr/>
-            </a:pPr>
-            <a:r>
-              <a:rPr sz="3600" smtClean="0">
-                <a:solidFill>
-                  <a:schemeClr val="tx2"/>
-                </a:solidFill>
-                <a:latin typeface="+mj-lt"/>
-                <a:ea typeface="+mj-ea"/>
-                <a:cs typeface="+mj-cs"/>
-              </a:rPr>
-              <a:t>Mayor integración con fuente de datos.</a:t>
-            </a:r>
-          </a:p>
-          <a:p>
-            <a:pPr marL="0" marR="0" lvl="0" indent="0" algn="l" defTabSz="914400" rtl="0" eaLnBrk="1" fontAlgn="auto" latinLnBrk="0" hangingPunct="1">
-              <a:lnSpc>
-                <a:spcPct val="100000"/>
-              </a:lnSpc>
-              <a:spcBef>
-                <a:spcPct val="0"/>
-              </a:spcBef>
-              <a:spcAft>
-                <a:spcPts val="0"/>
-              </a:spcAft>
-              <a:buClrTx/>
-              <a:buSzTx/>
-              <a:buFontTx/>
-              <a:buChar char="-"/>
-              <a:tabLst/>
-              <a:defRPr/>
-            </a:pPr>
-            <a:endParaRPr sz="3600" smtClean="0">
-              <a:solidFill>
-                <a:schemeClr val="tx2"/>
-              </a:solidFill>
-              <a:latin typeface="+mj-lt"/>
-              <a:ea typeface="+mj-ea"/>
-              <a:cs typeface="+mj-cs"/>
-            </a:endParaRPr>
-          </a:p>
-          <a:p>
-            <a:pPr marL="0" marR="0" lvl="0" indent="0" algn="l" defTabSz="914400" rtl="0" eaLnBrk="1" fontAlgn="auto" latinLnBrk="0" hangingPunct="1">
-              <a:lnSpc>
-                <a:spcPct val="100000"/>
-              </a:lnSpc>
-              <a:spcBef>
-                <a:spcPct val="0"/>
-              </a:spcBef>
-              <a:spcAft>
-                <a:spcPts val="0"/>
-              </a:spcAft>
-              <a:buClrTx/>
-              <a:buSzTx/>
-              <a:buFontTx/>
-              <a:buChar char="-"/>
-              <a:tabLst/>
-              <a:defRPr/>
-            </a:pPr>
-            <a:r>
-              <a:rPr sz="3600" smtClean="0">
-                <a:solidFill>
-                  <a:schemeClr val="tx2"/>
-                </a:solidFill>
-                <a:latin typeface="+mj-lt"/>
-                <a:ea typeface="+mj-ea"/>
-                <a:cs typeface="+mj-cs"/>
-              </a:rPr>
-              <a:t>Autenticación con Twitter.</a:t>
-            </a:r>
-          </a:p>
-          <a:p>
-            <a:pPr marL="0" marR="0" lvl="0" indent="0" algn="l" defTabSz="914400" rtl="0" eaLnBrk="1" fontAlgn="auto" latinLnBrk="0" hangingPunct="1">
-              <a:lnSpc>
-                <a:spcPct val="100000"/>
-              </a:lnSpc>
-              <a:spcBef>
-                <a:spcPct val="0"/>
-              </a:spcBef>
-              <a:spcAft>
-                <a:spcPts val="0"/>
-              </a:spcAft>
-              <a:buClrTx/>
-              <a:buSzTx/>
-              <a:buFontTx/>
-              <a:buChar char="-"/>
-              <a:tabLst/>
-              <a:defRPr/>
-            </a:pPr>
-            <a:endParaRPr sz="3600" smtClean="0">
-              <a:solidFill>
-                <a:schemeClr val="tx2"/>
-              </a:solidFill>
-              <a:latin typeface="+mj-lt"/>
-              <a:ea typeface="+mj-ea"/>
-              <a:cs typeface="+mj-cs"/>
-            </a:endParaRPr>
-          </a:p>
-          <a:p>
-            <a:pPr marL="0" marR="0" lvl="0" indent="0" algn="l" defTabSz="914400" rtl="0" eaLnBrk="1" fontAlgn="auto" latinLnBrk="0" hangingPunct="1">
-              <a:lnSpc>
-                <a:spcPct val="100000"/>
-              </a:lnSpc>
-              <a:spcBef>
-                <a:spcPct val="0"/>
-              </a:spcBef>
-              <a:spcAft>
-                <a:spcPts val="0"/>
-              </a:spcAft>
-              <a:buClrTx/>
-              <a:buSzTx/>
-              <a:buFontTx/>
-              <a:buChar char="-"/>
-              <a:tabLst/>
-              <a:defRPr/>
-            </a:pPr>
-            <a:r>
-              <a:rPr sz="3600" smtClean="0">
-                <a:solidFill>
-                  <a:schemeClr val="tx2"/>
-                </a:solidFill>
-                <a:latin typeface="+mj-lt"/>
-                <a:ea typeface="+mj-ea"/>
-                <a:cs typeface="+mj-cs"/>
-              </a:rPr>
-              <a:t>Mayor potencialidad para Windows Phone.</a:t>
-            </a:r>
-          </a:p>
-          <a:p>
-            <a:pPr marL="0" marR="0" lvl="0" indent="0" algn="l" defTabSz="914400" rtl="0" eaLnBrk="1" fontAlgn="auto" latinLnBrk="0" hangingPunct="1">
-              <a:lnSpc>
-                <a:spcPct val="100000"/>
-              </a:lnSpc>
-              <a:spcBef>
-                <a:spcPct val="0"/>
-              </a:spcBef>
-              <a:spcAft>
-                <a:spcPts val="0"/>
-              </a:spcAft>
-              <a:buClrTx/>
-              <a:buSzTx/>
-              <a:buFontTx/>
-              <a:buChar char="-"/>
-              <a:tabLst/>
-              <a:defRPr/>
-            </a:pPr>
-            <a:endParaRPr sz="3600" smtClean="0">
-              <a:solidFill>
-                <a:schemeClr val="tx2"/>
-              </a:solidFill>
-              <a:latin typeface="+mj-lt"/>
-              <a:ea typeface="+mj-ea"/>
-              <a:cs typeface="+mj-cs"/>
-            </a:endParaRPr>
-          </a:p>
-          <a:p>
-            <a:pPr marL="0" marR="0" lvl="0" indent="0" algn="l" defTabSz="914400" rtl="0" eaLnBrk="1" fontAlgn="auto" latinLnBrk="0" hangingPunct="1">
-              <a:lnSpc>
-                <a:spcPct val="100000"/>
-              </a:lnSpc>
-              <a:spcBef>
-                <a:spcPct val="0"/>
-              </a:spcBef>
-              <a:spcAft>
-                <a:spcPts val="0"/>
-              </a:spcAft>
-              <a:buClrTx/>
-              <a:buSzTx/>
-              <a:buFontTx/>
-              <a:buChar char="-"/>
-              <a:tabLst/>
-              <a:defRPr/>
-            </a:pPr>
-            <a:r>
-              <a:rPr sz="3600" smtClean="0">
-                <a:solidFill>
-                  <a:schemeClr val="tx2"/>
-                </a:solidFill>
-                <a:latin typeface="+mj-lt"/>
-                <a:ea typeface="+mj-ea"/>
-                <a:cs typeface="+mj-cs"/>
-              </a:rPr>
-              <a:t>Expocisión de la aplicaci</a:t>
-            </a:r>
-            <a:r>
-              <a:rPr lang="es-ES" sz="3600" dirty="0" smtClean="0">
-                <a:solidFill>
-                  <a:schemeClr val="tx2"/>
-                </a:solidFill>
-                <a:latin typeface="+mj-lt"/>
-                <a:ea typeface="+mj-ea"/>
-                <a:cs typeface="+mj-cs"/>
-              </a:rPr>
-              <a:t>ó</a:t>
-            </a:r>
-            <a:r>
-              <a:rPr sz="3600" smtClean="0">
-                <a:solidFill>
-                  <a:schemeClr val="tx2"/>
-                </a:solidFill>
-                <a:latin typeface="+mj-lt"/>
-                <a:ea typeface="+mj-ea"/>
-                <a:cs typeface="+mj-cs"/>
-              </a:rPr>
-              <a:t>n en Azure.</a:t>
-            </a:r>
-          </a:p>
-          <a:p>
-            <a:pPr marL="0" marR="0" lvl="0" indent="0" algn="l" defTabSz="914400" rtl="0" eaLnBrk="1" fontAlgn="auto" latinLnBrk="0" hangingPunct="1">
-              <a:lnSpc>
-                <a:spcPct val="100000"/>
-              </a:lnSpc>
-              <a:spcBef>
-                <a:spcPct val="0"/>
-              </a:spcBef>
-              <a:spcAft>
-                <a:spcPts val="0"/>
-              </a:spcAft>
-              <a:buClrTx/>
-              <a:buSzTx/>
-              <a:buFontTx/>
-              <a:buChar char="-"/>
-              <a:tabLst/>
-              <a:defRPr/>
-            </a:pPr>
-            <a:endParaRPr kumimoji="0" sz="3600" b="0" i="0" u="none" strike="noStrike" kern="1200" cap="none" spc="0" normalizeH="0" baseline="0" noProof="0" smtClean="0">
+              <a:t>Captcha</a:t>
+            </a:r>
+            <a:endParaRPr kumimoji="0" lang="es-ES" sz="3600" b="0" i="0" u="none" strike="noStrike" kern="1200" cap="none" spc="0" normalizeH="0" baseline="0" noProof="0" dirty="0">
               <a:ln>
                 <a:noFill/>
               </a:ln>
@@ -13352,6 +13301,189 @@
       </p:grpSpPr>
       <p:sp>
         <p:nvSpPr>
+          <p:cNvPr id="28" name="Rectangle 6"/>
+          <p:cNvSpPr>
+            <a:spLocks noGrp="1"/>
+          </p:cNvSpPr>
+          <p:nvPr>
+            <p:ph type="title"/>
+          </p:nvPr>
+        </p:nvSpPr>
+        <p:spPr>
+          <a:xfrm>
+            <a:off x="642910" y="142852"/>
+            <a:ext cx="8229600" cy="1143000"/>
+          </a:xfrm>
+        </p:spPr>
+        <p:txBody>
+          <a:bodyPr/>
+          <a:lstStyle>
+            <a:extLst/>
+          </a:lstStyle>
+          <a:p>
+            <a:r>
+              <a:rPr lang="es-ES" dirty="0" smtClean="0"/>
+              <a:t>Integración:</a:t>
+            </a:r>
+            <a:endParaRPr lang="es-ES" dirty="0"/>
+          </a:p>
+        </p:txBody>
+      </p:sp>
+      <p:sp>
+        <p:nvSpPr>
+          <p:cNvPr id="9" name="Rectangle 6"/>
+          <p:cNvSpPr txBox="1">
+            <a:spLocks/>
+          </p:cNvSpPr>
+          <p:nvPr/>
+        </p:nvSpPr>
+        <p:spPr>
+          <a:xfrm>
+            <a:off x="642910" y="1357298"/>
+            <a:ext cx="8229600" cy="1857388"/>
+          </a:xfrm>
+          <a:prstGeom prst="rect">
+            <a:avLst/>
+          </a:prstGeom>
+        </p:spPr>
+        <p:txBody>
+          <a:bodyPr vert="horz" lIns="0" rIns="0" bIns="0" anchor="b">
+            <a:normAutofit/>
+          </a:bodyPr>
+          <a:lstStyle>
+            <a:extLst/>
+          </a:lstStyle>
+          <a:p>
+            <a:pPr marL="0" marR="0" lvl="0" indent="0" algn="l" defTabSz="914400" rtl="0" eaLnBrk="1" fontAlgn="auto" latinLnBrk="0" hangingPunct="1">
+              <a:lnSpc>
+                <a:spcPct val="100000"/>
+              </a:lnSpc>
+              <a:spcBef>
+                <a:spcPct val="0"/>
+              </a:spcBef>
+              <a:spcAft>
+                <a:spcPts val="0"/>
+              </a:spcAft>
+              <a:buClrTx/>
+              <a:buSzTx/>
+              <a:buFontTx/>
+              <a:buChar char="-"/>
+              <a:tabLst/>
+              <a:defRPr/>
+            </a:pPr>
+            <a:r>
+              <a:rPr kumimoji="0" sz="3600" b="0" i="0" u="none" strike="noStrike" kern="1200" cap="none" spc="0" normalizeH="0" noProof="0" smtClean="0">
+                <a:ln>
+                  <a:noFill/>
+                </a:ln>
+                <a:solidFill>
+                  <a:schemeClr val="tx2"/>
+                </a:solidFill>
+                <a:effectLst/>
+                <a:uLnTx/>
+                <a:uFillTx/>
+                <a:latin typeface="+mj-lt"/>
+                <a:ea typeface="+mj-ea"/>
+                <a:cs typeface="+mj-cs"/>
+              </a:rPr>
+              <a:t>Se logra integración entre aplicaciones.</a:t>
+            </a:r>
+          </a:p>
+          <a:p>
+            <a:pPr marL="0" marR="0" lvl="0" indent="0" algn="l" defTabSz="914400" rtl="0" eaLnBrk="1" fontAlgn="auto" latinLnBrk="0" hangingPunct="1">
+              <a:lnSpc>
+                <a:spcPct val="100000"/>
+              </a:lnSpc>
+              <a:spcBef>
+                <a:spcPct val="0"/>
+              </a:spcBef>
+              <a:spcAft>
+                <a:spcPts val="0"/>
+              </a:spcAft>
+              <a:buClrTx/>
+              <a:buSzTx/>
+              <a:buFontTx/>
+              <a:buChar char="-"/>
+              <a:tabLst/>
+              <a:defRPr/>
+            </a:pPr>
+            <a:endParaRPr kumimoji="0" sz="3600" b="0" i="0" u="none" strike="noStrike" kern="1200" cap="none" spc="0" normalizeH="0" noProof="0" smtClean="0">
+              <a:ln>
+                <a:noFill/>
+              </a:ln>
+              <a:solidFill>
+                <a:schemeClr val="tx2"/>
+              </a:solidFill>
+              <a:effectLst/>
+              <a:uLnTx/>
+              <a:uFillTx/>
+              <a:latin typeface="+mj-lt"/>
+              <a:ea typeface="+mj-ea"/>
+              <a:cs typeface="+mj-cs"/>
+            </a:endParaRPr>
+          </a:p>
+        </p:txBody>
+      </p:sp>
+      <p:pic>
+        <p:nvPicPr>
+          <p:cNvPr id="4098" name="Picture 2" descr="C:\Users\Vanessa\Desktop\integracion.jpg"/>
+          <p:cNvPicPr>
+            <a:picLocks noChangeAspect="1" noChangeArrowheads="1"/>
+          </p:cNvPicPr>
+          <p:nvPr/>
+        </p:nvPicPr>
+        <p:blipFill>
+          <a:blip r:embed="rId3"/>
+          <a:srcRect/>
+          <a:stretch>
+            <a:fillRect/>
+          </a:stretch>
+        </p:blipFill>
+        <p:spPr bwMode="auto">
+          <a:xfrm>
+            <a:off x="2357422" y="2857496"/>
+            <a:ext cx="3895725" cy="3333750"/>
+          </a:xfrm>
+          <a:prstGeom prst="rect">
+            <a:avLst/>
+          </a:prstGeom>
+          <a:noFill/>
+        </p:spPr>
+      </p:pic>
+    </p:spTree>
+  </p:cSld>
+  <p:clrMapOvr>
+    <a:masterClrMapping/>
+  </p:clrMapOvr>
+  <p:timing>
+    <p:tnLst>
+      <p:par>
+        <p:cTn id="1" dur="indefinite" restart="never" nodeType="tmRoot"/>
+      </p:par>
+    </p:tnLst>
+  </p:timing>
+</p:sld>
+</file>
+
+<file path=ppt/slides/slide12.xml><?xml version="1.0" encoding="utf-8"?>
+<p:sld xmlns:a="http://schemas.openxmlformats.org/drawingml/2006/main" xmlns:r="http://schemas.openxmlformats.org/officeDocument/2006/relationships" xmlns:p="http://schemas.openxmlformats.org/presentationml/2006/main">
+  <p:cSld>
+    <p:spTree>
+      <p:nvGrpSpPr>
+        <p:cNvPr id="1" name=""/>
+        <p:cNvGrpSpPr/>
+        <p:nvPr/>
+      </p:nvGrpSpPr>
+      <p:grpSpPr>
+        <a:xfrm>
+          <a:off x="0" y="0"/>
+          <a:ext cx="0" cy="0"/>
+          <a:chOff x="0" y="0"/>
+          <a:chExt cx="0" cy="0"/>
+        </a:xfrm>
+      </p:grpSpPr>
+      <p:sp>
+        <p:nvSpPr>
           <p:cNvPr id="5" name="Rectangle 6"/>
           <p:cNvSpPr txBox="1">
             <a:spLocks/>
@@ -13474,8 +13606,8 @@
         </p:nvSpPr>
         <p:spPr>
           <a:xfrm>
-            <a:off x="214282" y="642918"/>
-            <a:ext cx="8786874" cy="5643602"/>
+            <a:off x="428596" y="642918"/>
+            <a:ext cx="8229600" cy="5643602"/>
           </a:xfrm>
           <a:prstGeom prst="rect">
             <a:avLst/>
@@ -13513,35 +13645,7 @@
                 <a:ea typeface="+mj-ea"/>
                 <a:cs typeface="+mj-cs"/>
               </a:rPr>
-              <a:t>Problemas encontrados en el desarrollo y su resolución:</a:t>
-            </a:r>
-          </a:p>
-          <a:p>
-            <a:pPr marL="0" marR="0" lvl="0" indent="0" algn="l" defTabSz="914400" rtl="0" eaLnBrk="1" fontAlgn="auto" latinLnBrk="0" hangingPunct="1">
-              <a:lnSpc>
-                <a:spcPct val="100000"/>
-              </a:lnSpc>
-              <a:spcBef>
-                <a:spcPct val="0"/>
-              </a:spcBef>
-              <a:spcAft>
-                <a:spcPts val="0"/>
-              </a:spcAft>
-              <a:buClrTx/>
-              <a:buSzTx/>
-              <a:tabLst/>
-              <a:defRPr/>
-            </a:pPr>
-            <a:r>
-              <a:rPr sz="3600" smtClean="0">
-                <a:solidFill>
-                  <a:schemeClr val="tx2"/>
-                </a:solidFill>
-                <a:latin typeface="+mj-lt"/>
-                <a:ea typeface="+mj-ea"/>
-                <a:cs typeface="+mj-cs"/>
-              </a:rPr>
-              <a:t>-Login con Facebook: Debido a politicas de Facebook, se requiere un Id por URL, por lo tanto diseñamos que al registrar un nuevo grupo se permita ingresar dicho Id.</a:t>
+              <a:t>Mejoras previstas:</a:t>
             </a:r>
           </a:p>
           <a:p>
@@ -13582,6 +13686,8 @@
               </a:spcAft>
               <a:buClrTx/>
               <a:buSzTx/>
+              <a:buFontTx/>
+              <a:buChar char="-"/>
               <a:tabLst/>
               <a:defRPr/>
             </a:pPr>
@@ -13594,7 +13700,575 @@
                 <a:ea typeface="+mj-ea"/>
                 <a:cs typeface="+mj-cs"/>
               </a:rPr>
-              <a:t>-Chat: dificultad para testear el correcto funcionamiento.</a:t>
+              <a:t>Comentarios a contenidos y convocatorias.</a:t>
+            </a:r>
+          </a:p>
+          <a:p>
+            <a:pPr marL="0" marR="0" lvl="0" indent="0" algn="l" defTabSz="914400" rtl="0" eaLnBrk="1" fontAlgn="auto" latinLnBrk="0" hangingPunct="1">
+              <a:lnSpc>
+                <a:spcPct val="100000"/>
+              </a:lnSpc>
+              <a:spcBef>
+                <a:spcPct val="0"/>
+              </a:spcBef>
+              <a:spcAft>
+                <a:spcPts val="0"/>
+              </a:spcAft>
+              <a:buClrTx/>
+              <a:buSzTx/>
+              <a:buFontTx/>
+              <a:buChar char="-"/>
+              <a:tabLst/>
+              <a:defRPr/>
+            </a:pPr>
+            <a:endParaRPr sz="3600" smtClean="0">
+              <a:solidFill>
+                <a:schemeClr val="tx2"/>
+              </a:solidFill>
+              <a:latin typeface="+mj-lt"/>
+              <a:ea typeface="+mj-ea"/>
+              <a:cs typeface="+mj-cs"/>
+            </a:endParaRPr>
+          </a:p>
+          <a:p>
+            <a:pPr marL="0" marR="0" lvl="0" indent="0" algn="l" defTabSz="914400" rtl="0" eaLnBrk="1" fontAlgn="auto" latinLnBrk="0" hangingPunct="1">
+              <a:lnSpc>
+                <a:spcPct val="100000"/>
+              </a:lnSpc>
+              <a:spcBef>
+                <a:spcPct val="0"/>
+              </a:spcBef>
+              <a:spcAft>
+                <a:spcPts val="0"/>
+              </a:spcAft>
+              <a:buClrTx/>
+              <a:buSzTx/>
+              <a:buFontTx/>
+              <a:buChar char="-"/>
+              <a:tabLst/>
+              <a:defRPr/>
+            </a:pPr>
+            <a:r>
+              <a:rPr sz="3600" smtClean="0">
+                <a:solidFill>
+                  <a:schemeClr val="tx2"/>
+                </a:solidFill>
+                <a:latin typeface="+mj-lt"/>
+                <a:ea typeface="+mj-ea"/>
+                <a:cs typeface="+mj-cs"/>
+              </a:rPr>
+              <a:t>Mejoras en interfaces BackOffice.</a:t>
+            </a:r>
+          </a:p>
+          <a:p>
+            <a:pPr marL="0" marR="0" lvl="0" indent="0" algn="l" defTabSz="914400" rtl="0" eaLnBrk="1" fontAlgn="auto" latinLnBrk="0" hangingPunct="1">
+              <a:lnSpc>
+                <a:spcPct val="100000"/>
+              </a:lnSpc>
+              <a:spcBef>
+                <a:spcPct val="0"/>
+              </a:spcBef>
+              <a:spcAft>
+                <a:spcPts val="0"/>
+              </a:spcAft>
+              <a:buClrTx/>
+              <a:buSzTx/>
+              <a:buFontTx/>
+              <a:buChar char="-"/>
+              <a:tabLst/>
+              <a:defRPr/>
+            </a:pPr>
+            <a:endParaRPr sz="3600" smtClean="0">
+              <a:solidFill>
+                <a:schemeClr val="tx2"/>
+              </a:solidFill>
+              <a:latin typeface="+mj-lt"/>
+              <a:ea typeface="+mj-ea"/>
+              <a:cs typeface="+mj-cs"/>
+            </a:endParaRPr>
+          </a:p>
+          <a:p>
+            <a:pPr marL="0" marR="0" lvl="0" indent="0" algn="l" defTabSz="914400" rtl="0" eaLnBrk="1" fontAlgn="auto" latinLnBrk="0" hangingPunct="1">
+              <a:lnSpc>
+                <a:spcPct val="100000"/>
+              </a:lnSpc>
+              <a:spcBef>
+                <a:spcPct val="0"/>
+              </a:spcBef>
+              <a:spcAft>
+                <a:spcPts val="0"/>
+              </a:spcAft>
+              <a:buClrTx/>
+              <a:buSzTx/>
+              <a:buFontTx/>
+              <a:buChar char="-"/>
+              <a:tabLst/>
+              <a:defRPr/>
+            </a:pPr>
+            <a:r>
+              <a:rPr sz="3600" smtClean="0">
+                <a:solidFill>
+                  <a:schemeClr val="tx2"/>
+                </a:solidFill>
+                <a:latin typeface="+mj-lt"/>
+                <a:ea typeface="+mj-ea"/>
+                <a:cs typeface="+mj-cs"/>
+              </a:rPr>
+              <a:t>Mayor integración con fuente de datos.</a:t>
+            </a:r>
+          </a:p>
+          <a:p>
+            <a:pPr marL="0" marR="0" lvl="0" indent="0" algn="l" defTabSz="914400" rtl="0" eaLnBrk="1" fontAlgn="auto" latinLnBrk="0" hangingPunct="1">
+              <a:lnSpc>
+                <a:spcPct val="100000"/>
+              </a:lnSpc>
+              <a:spcBef>
+                <a:spcPct val="0"/>
+              </a:spcBef>
+              <a:spcAft>
+                <a:spcPts val="0"/>
+              </a:spcAft>
+              <a:buClrTx/>
+              <a:buSzTx/>
+              <a:buFontTx/>
+              <a:buChar char="-"/>
+              <a:tabLst/>
+              <a:defRPr/>
+            </a:pPr>
+            <a:endParaRPr sz="3600" smtClean="0">
+              <a:solidFill>
+                <a:schemeClr val="tx2"/>
+              </a:solidFill>
+              <a:latin typeface="+mj-lt"/>
+              <a:ea typeface="+mj-ea"/>
+              <a:cs typeface="+mj-cs"/>
+            </a:endParaRPr>
+          </a:p>
+          <a:p>
+            <a:pPr marL="0" marR="0" lvl="0" indent="0" algn="l" defTabSz="914400" rtl="0" eaLnBrk="1" fontAlgn="auto" latinLnBrk="0" hangingPunct="1">
+              <a:lnSpc>
+                <a:spcPct val="100000"/>
+              </a:lnSpc>
+              <a:spcBef>
+                <a:spcPct val="0"/>
+              </a:spcBef>
+              <a:spcAft>
+                <a:spcPts val="0"/>
+              </a:spcAft>
+              <a:buClrTx/>
+              <a:buSzTx/>
+              <a:buFontTx/>
+              <a:buChar char="-"/>
+              <a:tabLst/>
+              <a:defRPr/>
+            </a:pPr>
+            <a:r>
+              <a:rPr sz="3600" smtClean="0">
+                <a:solidFill>
+                  <a:schemeClr val="tx2"/>
+                </a:solidFill>
+                <a:latin typeface="+mj-lt"/>
+                <a:ea typeface="+mj-ea"/>
+                <a:cs typeface="+mj-cs"/>
+              </a:rPr>
+              <a:t>Autenticación con Twitter.</a:t>
+            </a:r>
+          </a:p>
+          <a:p>
+            <a:pPr marL="0" marR="0" lvl="0" indent="0" algn="l" defTabSz="914400" rtl="0" eaLnBrk="1" fontAlgn="auto" latinLnBrk="0" hangingPunct="1">
+              <a:lnSpc>
+                <a:spcPct val="100000"/>
+              </a:lnSpc>
+              <a:spcBef>
+                <a:spcPct val="0"/>
+              </a:spcBef>
+              <a:spcAft>
+                <a:spcPts val="0"/>
+              </a:spcAft>
+              <a:buClrTx/>
+              <a:buSzTx/>
+              <a:buFontTx/>
+              <a:buChar char="-"/>
+              <a:tabLst/>
+              <a:defRPr/>
+            </a:pPr>
+            <a:endParaRPr sz="3600" smtClean="0">
+              <a:solidFill>
+                <a:schemeClr val="tx2"/>
+              </a:solidFill>
+              <a:latin typeface="+mj-lt"/>
+              <a:ea typeface="+mj-ea"/>
+              <a:cs typeface="+mj-cs"/>
+            </a:endParaRPr>
+          </a:p>
+          <a:p>
+            <a:pPr marL="0" marR="0" lvl="0" indent="0" algn="l" defTabSz="914400" rtl="0" eaLnBrk="1" fontAlgn="auto" latinLnBrk="0" hangingPunct="1">
+              <a:lnSpc>
+                <a:spcPct val="100000"/>
+              </a:lnSpc>
+              <a:spcBef>
+                <a:spcPct val="0"/>
+              </a:spcBef>
+              <a:spcAft>
+                <a:spcPts val="0"/>
+              </a:spcAft>
+              <a:buClrTx/>
+              <a:buSzTx/>
+              <a:buFontTx/>
+              <a:buChar char="-"/>
+              <a:tabLst/>
+              <a:defRPr/>
+            </a:pPr>
+            <a:r>
+              <a:rPr sz="3600" smtClean="0">
+                <a:solidFill>
+                  <a:schemeClr val="tx2"/>
+                </a:solidFill>
+                <a:latin typeface="+mj-lt"/>
+                <a:ea typeface="+mj-ea"/>
+                <a:cs typeface="+mj-cs"/>
+              </a:rPr>
+              <a:t>Mayor potencialidad para Windows Phone.</a:t>
+            </a:r>
+          </a:p>
+          <a:p>
+            <a:pPr marL="0" marR="0" lvl="0" indent="0" algn="l" defTabSz="914400" rtl="0" eaLnBrk="1" fontAlgn="auto" latinLnBrk="0" hangingPunct="1">
+              <a:lnSpc>
+                <a:spcPct val="100000"/>
+              </a:lnSpc>
+              <a:spcBef>
+                <a:spcPct val="0"/>
+              </a:spcBef>
+              <a:spcAft>
+                <a:spcPts val="0"/>
+              </a:spcAft>
+              <a:buClrTx/>
+              <a:buSzTx/>
+              <a:buFontTx/>
+              <a:buChar char="-"/>
+              <a:tabLst/>
+              <a:defRPr/>
+            </a:pPr>
+            <a:endParaRPr sz="3600" smtClean="0">
+              <a:solidFill>
+                <a:schemeClr val="tx2"/>
+              </a:solidFill>
+              <a:latin typeface="+mj-lt"/>
+              <a:ea typeface="+mj-ea"/>
+              <a:cs typeface="+mj-cs"/>
+            </a:endParaRPr>
+          </a:p>
+          <a:p>
+            <a:pPr marL="0" marR="0" lvl="0" indent="0" algn="l" defTabSz="914400" rtl="0" eaLnBrk="1" fontAlgn="auto" latinLnBrk="0" hangingPunct="1">
+              <a:lnSpc>
+                <a:spcPct val="100000"/>
+              </a:lnSpc>
+              <a:spcBef>
+                <a:spcPct val="0"/>
+              </a:spcBef>
+              <a:spcAft>
+                <a:spcPts val="0"/>
+              </a:spcAft>
+              <a:buClrTx/>
+              <a:buSzTx/>
+              <a:buFontTx/>
+              <a:buChar char="-"/>
+              <a:tabLst/>
+              <a:defRPr/>
+            </a:pPr>
+            <a:r>
+              <a:rPr sz="3600" smtClean="0">
+                <a:solidFill>
+                  <a:schemeClr val="tx2"/>
+                </a:solidFill>
+                <a:latin typeface="+mj-lt"/>
+                <a:ea typeface="+mj-ea"/>
+                <a:cs typeface="+mj-cs"/>
+              </a:rPr>
+              <a:t>Expocisión de la aplicaci</a:t>
+            </a:r>
+            <a:r>
+              <a:rPr lang="es-ES" sz="3600" dirty="0" smtClean="0">
+                <a:solidFill>
+                  <a:schemeClr val="tx2"/>
+                </a:solidFill>
+                <a:latin typeface="+mj-lt"/>
+                <a:ea typeface="+mj-ea"/>
+                <a:cs typeface="+mj-cs"/>
+              </a:rPr>
+              <a:t>ó</a:t>
+            </a:r>
+            <a:r>
+              <a:rPr sz="3600" smtClean="0">
+                <a:solidFill>
+                  <a:schemeClr val="tx2"/>
+                </a:solidFill>
+                <a:latin typeface="+mj-lt"/>
+                <a:ea typeface="+mj-ea"/>
+                <a:cs typeface="+mj-cs"/>
+              </a:rPr>
+              <a:t>n en Azure.</a:t>
+            </a:r>
+          </a:p>
+          <a:p>
+            <a:pPr marL="0" marR="0" lvl="0" indent="0" algn="l" defTabSz="914400" rtl="0" eaLnBrk="1" fontAlgn="auto" latinLnBrk="0" hangingPunct="1">
+              <a:lnSpc>
+                <a:spcPct val="100000"/>
+              </a:lnSpc>
+              <a:spcBef>
+                <a:spcPct val="0"/>
+              </a:spcBef>
+              <a:spcAft>
+                <a:spcPts val="0"/>
+              </a:spcAft>
+              <a:buClrTx/>
+              <a:buSzTx/>
+              <a:buFontTx/>
+              <a:buChar char="-"/>
+              <a:tabLst/>
+              <a:defRPr/>
+            </a:pPr>
+            <a:endParaRPr kumimoji="0" sz="3600" b="0" i="0" u="none" strike="noStrike" kern="1200" cap="none" spc="0" normalizeH="0" baseline="0" noProof="0" smtClean="0">
+              <a:ln>
+                <a:noFill/>
+              </a:ln>
+              <a:solidFill>
+                <a:schemeClr val="tx2"/>
+              </a:solidFill>
+              <a:effectLst/>
+              <a:uLnTx/>
+              <a:uFillTx/>
+              <a:latin typeface="+mj-lt"/>
+              <a:ea typeface="+mj-ea"/>
+              <a:cs typeface="+mj-cs"/>
+            </a:endParaRPr>
+          </a:p>
+        </p:txBody>
+      </p:sp>
+    </p:spTree>
+  </p:cSld>
+  <p:clrMapOvr>
+    <a:masterClrMapping/>
+  </p:clrMapOvr>
+  <p:timing>
+    <p:tnLst>
+      <p:par>
+        <p:cTn id="1" dur="indefinite" restart="never" nodeType="tmRoot"/>
+      </p:par>
+    </p:tnLst>
+  </p:timing>
+</p:sld>
+</file>
+
+<file path=ppt/slides/slide13.xml><?xml version="1.0" encoding="utf-8"?>
+<p:sld xmlns:a="http://schemas.openxmlformats.org/drawingml/2006/main" xmlns:r="http://schemas.openxmlformats.org/officeDocument/2006/relationships" xmlns:p="http://schemas.openxmlformats.org/presentationml/2006/main">
+  <p:cSld>
+    <p:spTree>
+      <p:nvGrpSpPr>
+        <p:cNvPr id="1" name=""/>
+        <p:cNvGrpSpPr/>
+        <p:nvPr/>
+      </p:nvGrpSpPr>
+      <p:grpSpPr>
+        <a:xfrm>
+          <a:off x="0" y="0"/>
+          <a:ext cx="0" cy="0"/>
+          <a:chOff x="0" y="0"/>
+          <a:chExt cx="0" cy="0"/>
+        </a:xfrm>
+      </p:grpSpPr>
+      <p:sp>
+        <p:nvSpPr>
+          <p:cNvPr id="5" name="Rectangle 6"/>
+          <p:cNvSpPr txBox="1">
+            <a:spLocks/>
+          </p:cNvSpPr>
+          <p:nvPr/>
+        </p:nvSpPr>
+        <p:spPr>
+          <a:xfrm>
+            <a:off x="428596" y="1071546"/>
+            <a:ext cx="8229600" cy="1857388"/>
+          </a:xfrm>
+          <a:prstGeom prst="rect">
+            <a:avLst/>
+          </a:prstGeom>
+        </p:spPr>
+        <p:txBody>
+          <a:bodyPr vert="horz" lIns="0" rIns="0" bIns="0" anchor="b">
+            <a:normAutofit/>
+          </a:bodyPr>
+          <a:lstStyle>
+            <a:extLst/>
+          </a:lstStyle>
+          <a:p>
+            <a:pPr marL="0" marR="0" lvl="0" indent="0" algn="l" defTabSz="914400" rtl="0" eaLnBrk="1" fontAlgn="auto" latinLnBrk="0" hangingPunct="1">
+              <a:lnSpc>
+                <a:spcPct val="100000"/>
+              </a:lnSpc>
+              <a:spcBef>
+                <a:spcPct val="0"/>
+              </a:spcBef>
+              <a:spcAft>
+                <a:spcPts val="0"/>
+              </a:spcAft>
+              <a:buClrTx/>
+              <a:buSzTx/>
+              <a:tabLst/>
+              <a:defRPr/>
+            </a:pPr>
+            <a:endParaRPr kumimoji="0" lang="es-ES" sz="3600" b="0" i="0" u="none" strike="noStrike" kern="1200" cap="none" spc="0" normalizeH="0" baseline="0" noProof="0" dirty="0">
+              <a:ln>
+                <a:noFill/>
+              </a:ln>
+              <a:solidFill>
+                <a:schemeClr val="tx2"/>
+              </a:solidFill>
+              <a:effectLst/>
+              <a:uLnTx/>
+              <a:uFillTx/>
+              <a:latin typeface="+mj-lt"/>
+              <a:ea typeface="+mj-ea"/>
+              <a:cs typeface="+mj-cs"/>
+            </a:endParaRPr>
+          </a:p>
+        </p:txBody>
+      </p:sp>
+      <p:sp>
+        <p:nvSpPr>
+          <p:cNvPr id="6" name="Rectangle 6"/>
+          <p:cNvSpPr txBox="1">
+            <a:spLocks/>
+          </p:cNvSpPr>
+          <p:nvPr/>
+        </p:nvSpPr>
+        <p:spPr>
+          <a:xfrm>
+            <a:off x="500034" y="1142984"/>
+            <a:ext cx="8229600" cy="1857388"/>
+          </a:xfrm>
+          <a:prstGeom prst="rect">
+            <a:avLst/>
+          </a:prstGeom>
+        </p:spPr>
+        <p:txBody>
+          <a:bodyPr vert="horz" lIns="0" rIns="0" bIns="0" anchor="b">
+            <a:normAutofit/>
+          </a:bodyPr>
+          <a:lstStyle>
+            <a:extLst/>
+          </a:lstStyle>
+          <a:p>
+            <a:pPr marL="0" marR="0" lvl="0" indent="0" algn="l" defTabSz="914400" rtl="0" eaLnBrk="1" fontAlgn="auto" latinLnBrk="0" hangingPunct="1">
+              <a:lnSpc>
+                <a:spcPct val="100000"/>
+              </a:lnSpc>
+              <a:spcBef>
+                <a:spcPct val="0"/>
+              </a:spcBef>
+              <a:spcAft>
+                <a:spcPts val="0"/>
+              </a:spcAft>
+              <a:buClrTx/>
+              <a:buSzTx/>
+              <a:tabLst/>
+              <a:defRPr/>
+            </a:pPr>
+            <a:endParaRPr kumimoji="0" lang="es-ES" sz="3600" b="0" i="0" u="none" strike="noStrike" kern="1200" cap="none" spc="0" normalizeH="0" baseline="0" noProof="0" dirty="0">
+              <a:ln>
+                <a:noFill/>
+              </a:ln>
+              <a:solidFill>
+                <a:schemeClr val="tx2"/>
+              </a:solidFill>
+              <a:effectLst/>
+              <a:uLnTx/>
+              <a:uFillTx/>
+              <a:latin typeface="+mj-lt"/>
+              <a:ea typeface="+mj-ea"/>
+              <a:cs typeface="+mj-cs"/>
+            </a:endParaRPr>
+          </a:p>
+        </p:txBody>
+      </p:sp>
+      <p:sp>
+        <p:nvSpPr>
+          <p:cNvPr id="7" name="Rectangle 6"/>
+          <p:cNvSpPr txBox="1">
+            <a:spLocks/>
+          </p:cNvSpPr>
+          <p:nvPr/>
+        </p:nvSpPr>
+        <p:spPr>
+          <a:xfrm>
+            <a:off x="214282" y="642918"/>
+            <a:ext cx="8786874" cy="5643602"/>
+          </a:xfrm>
+          <a:prstGeom prst="rect">
+            <a:avLst/>
+          </a:prstGeom>
+        </p:spPr>
+        <p:txBody>
+          <a:bodyPr vert="horz" lIns="0" rIns="0" bIns="0" anchor="b">
+            <a:normAutofit fontScale="92500" lnSpcReduction="20000"/>
+          </a:bodyPr>
+          <a:lstStyle>
+            <a:extLst/>
+          </a:lstStyle>
+          <a:p>
+            <a:pPr marL="0" marR="0" lvl="0" indent="0" algn="l" defTabSz="914400" rtl="0" eaLnBrk="1" fontAlgn="auto" latinLnBrk="0" hangingPunct="1">
+              <a:lnSpc>
+                <a:spcPct val="100000"/>
+              </a:lnSpc>
+              <a:spcBef>
+                <a:spcPct val="0"/>
+              </a:spcBef>
+              <a:spcAft>
+                <a:spcPts val="0"/>
+              </a:spcAft>
+              <a:buClrTx/>
+              <a:buSzTx/>
+              <a:tabLst/>
+              <a:defRPr/>
+            </a:pPr>
+            <a:r>
+              <a:rPr sz="3600" smtClean="0">
+                <a:solidFill>
+                  <a:schemeClr val="tx2"/>
+                </a:solidFill>
+                <a:latin typeface="+mj-lt"/>
+                <a:ea typeface="+mj-ea"/>
+                <a:cs typeface="+mj-cs"/>
+              </a:rPr>
+              <a:t>Problemas encontrados en el desarrollo y su resolución:</a:t>
+            </a:r>
+          </a:p>
+          <a:p>
+            <a:pPr marL="0" marR="0" lvl="0" indent="0" algn="l" defTabSz="914400" rtl="0" eaLnBrk="1" fontAlgn="auto" latinLnBrk="0" hangingPunct="1">
+              <a:lnSpc>
+                <a:spcPct val="100000"/>
+              </a:lnSpc>
+              <a:spcBef>
+                <a:spcPct val="0"/>
+              </a:spcBef>
+              <a:spcAft>
+                <a:spcPts val="0"/>
+              </a:spcAft>
+              <a:buClrTx/>
+              <a:buSzTx/>
+              <a:tabLst/>
+              <a:defRPr/>
+            </a:pPr>
+            <a:r>
+              <a:rPr sz="3600" smtClean="0">
+                <a:solidFill>
+                  <a:schemeClr val="tx2"/>
+                </a:solidFill>
+                <a:latin typeface="+mj-lt"/>
+                <a:ea typeface="+mj-ea"/>
+                <a:cs typeface="+mj-cs"/>
+              </a:rPr>
+              <a:t>-Login con Facebook: Debido a politicas de Facebook, se requiere un Id por URL, por lo tanto diseñamos que al registrar un nuevo grupo se permita ingresar dicho Id.</a:t>
             </a:r>
           </a:p>
           <a:p>
@@ -13623,10 +14297,20 @@
             </a:endParaRPr>
           </a:p>
           <a:p>
-            <a:pPr lvl="0">
+            <a:pPr marL="0" marR="0" lvl="0" indent="0" algn="l" defTabSz="914400" rtl="0" eaLnBrk="1" fontAlgn="auto" latinLnBrk="0" hangingPunct="1">
+              <a:lnSpc>
+                <a:spcPct val="100000"/>
+              </a:lnSpc>
               <a:spcBef>
                 <a:spcPct val="0"/>
               </a:spcBef>
+              <a:spcAft>
+                <a:spcPts val="0"/>
+              </a:spcAft>
+              <a:buClrTx/>
+              <a:buSzTx/>
+              <a:tabLst/>
+              <a:defRPr/>
             </a:pPr>
             <a:r>
               <a:rPr sz="3600" smtClean="0">
@@ -13637,8 +14321,40 @@
                 <a:ea typeface="+mj-ea"/>
                 <a:cs typeface="+mj-cs"/>
               </a:rPr>
-              <a:t>-Cierre de Sesión Imprevisto: </a:t>
-            </a:r>
+              <a:t>-Chat: dificultad para testear el correcto funcionamiento.</a:t>
+            </a:r>
+          </a:p>
+          <a:p>
+            <a:pPr marL="0" marR="0" lvl="0" indent="0" algn="l" defTabSz="914400" rtl="0" eaLnBrk="1" fontAlgn="auto" latinLnBrk="0" hangingPunct="1">
+              <a:lnSpc>
+                <a:spcPct val="100000"/>
+              </a:lnSpc>
+              <a:spcBef>
+                <a:spcPct val="0"/>
+              </a:spcBef>
+              <a:spcAft>
+                <a:spcPts val="0"/>
+              </a:spcAft>
+              <a:buClrTx/>
+              <a:buSzTx/>
+              <a:tabLst/>
+              <a:defRPr/>
+            </a:pPr>
+            <a:endParaRPr sz="3600" smtClean="0">
+              <a:solidFill>
+                <a:schemeClr val="tx2"/>
+              </a:solidFill>
+              <a:latin typeface="+mj-lt"/>
+              <a:ea typeface="+mj-ea"/>
+              <a:cs typeface="+mj-cs"/>
+            </a:endParaRPr>
+          </a:p>
+          <a:p>
+            <a:pPr lvl="0">
+              <a:spcBef>
+                <a:spcPct val="0"/>
+              </a:spcBef>
+            </a:pPr>
             <a:r>
               <a:rPr sz="3600" smtClean="0">
                 <a:solidFill>
@@ -13648,16 +14364,8 @@
                 <a:ea typeface="+mj-ea"/>
                 <a:cs typeface="+mj-cs"/>
               </a:rPr>
-              <a:t>Se implemento un mecanismo que cuando la sesion del web server caduca, se marca el usuario como desconectado.</a:t>
-            </a:r>
-            <a:endParaRPr sz="3600" smtClean="0">
-              <a:solidFill>
-                <a:schemeClr val="tx2"/>
-              </a:solidFill>
-              <a:latin typeface="+mj-lt"/>
-              <a:ea typeface="+mj-ea"/>
-              <a:cs typeface="+mj-cs"/>
-            </a:endParaRPr>
+              <a:t>-Cierre de Sesión Imprevisto: Se implemento un mecanismo que cuando la sesion del web server caduca, se marca el usuario como desconectado.</a:t>
+            </a:r>
           </a:p>
         </p:txBody>
       </p:sp>
@@ -14215,32 +14923,81 @@
           </a:p>
         </p:txBody>
       </p:sp>
-      <p:pic>
-        <p:nvPicPr>
-          <p:cNvPr id="1026" name="Picture 2" descr="C:\Users\Vanessa\Desktop\arquitectura.jpg"/>
-          <p:cNvPicPr>
-            <a:picLocks noChangeAspect="1" noChangeArrowheads="1"/>
-          </p:cNvPicPr>
+      <p:sp>
+        <p:nvSpPr>
+          <p:cNvPr id="3" name="2 CuadroTexto"/>
+          <p:cNvSpPr txBox="1"/>
           <p:nvPr/>
-        </p:nvPicPr>
-        <p:blipFill>
-          <a:blip r:embed="rId3"/>
-          <a:srcRect/>
-          <a:stretch>
-            <a:fillRect/>
-          </a:stretch>
-        </p:blipFill>
-        <p:spPr bwMode="auto">
+        </p:nvSpPr>
+        <p:spPr>
           <a:xfrm>
-            <a:off x="453449" y="1357298"/>
-            <a:ext cx="8190517" cy="5214974"/>
+            <a:off x="539552" y="1916832"/>
+            <a:ext cx="7776864" cy="2308324"/>
           </a:xfrm>
           <a:prstGeom prst="rect">
             <a:avLst/>
           </a:prstGeom>
           <a:noFill/>
         </p:spPr>
-      </p:pic>
+        <p:txBody>
+          <a:bodyPr wrap="square" rtlCol="0">
+            <a:spAutoFit/>
+          </a:bodyPr>
+          <a:lstStyle/>
+          <a:p>
+            <a:r>
+              <a:rPr lang="es-UY" dirty="0" smtClean="0"/>
+              <a:t>Que es?</a:t>
+            </a:r>
+          </a:p>
+          <a:p>
+            <a:r>
+              <a:rPr lang="es-UY" dirty="0" smtClean="0"/>
+              <a:t>Es un estilo de programación.</a:t>
+            </a:r>
+          </a:p>
+          <a:p>
+            <a:endParaRPr lang="es-UY" dirty="0" smtClean="0"/>
+          </a:p>
+          <a:p>
+            <a:r>
+              <a:rPr lang="es-UY" dirty="0" smtClean="0"/>
+              <a:t>Sus principales ventajas  son al desarrollar, se puede llevar a cabo en varios niveles, alta escalabilidad, distribución mas efectiva,</a:t>
+            </a:r>
+            <a:r>
+              <a:rPr lang="es-UY" dirty="0"/>
+              <a:t> </a:t>
+            </a:r>
+            <a:r>
+              <a:rPr lang="es-UY" dirty="0" smtClean="0"/>
+              <a:t>cambios </a:t>
+            </a:r>
+            <a:r>
+              <a:rPr lang="es-UY" dirty="0"/>
+              <a:t>en la aplicaciones mas sencillos de manejar e </a:t>
+            </a:r>
+            <a:r>
+              <a:rPr lang="es-UY" dirty="0" smtClean="0"/>
+              <a:t>implementar, separación </a:t>
+            </a:r>
+            <a:r>
+              <a:rPr lang="es-UY" dirty="0"/>
+              <a:t>de </a:t>
+            </a:r>
+            <a:r>
+              <a:rPr lang="es-UY" dirty="0" smtClean="0"/>
+              <a:t>funciones.</a:t>
+            </a:r>
+          </a:p>
+          <a:p>
+            <a:pPr marL="285750" indent="-285750">
+              <a:buFontTx/>
+              <a:buChar char="-"/>
+            </a:pPr>
+            <a:endParaRPr lang="es-UY" dirty="0"/>
+          </a:p>
+        </p:txBody>
+      </p:sp>
     </p:spTree>
   </p:cSld>
   <p:clrMapOvr>
@@ -14327,111 +15084,45 @@
           </a:lstStyle>
           <a:p>
             <a:r>
-              <a:rPr lang="es-ES" dirty="0" err="1" smtClean="0"/>
-              <a:t>Multi-Tenant</a:t>
+              <a:rPr lang="es-ES" dirty="0" smtClean="0"/>
+              <a:t>Arquitectura de la solución</a:t>
             </a:r>
             <a:endParaRPr lang="es-ES" dirty="0"/>
           </a:p>
         </p:txBody>
       </p:sp>
-      <p:sp>
-        <p:nvSpPr>
-          <p:cNvPr id="5" name="4 Rectángulo"/>
-          <p:cNvSpPr/>
+      <p:pic>
+        <p:nvPicPr>
+          <p:cNvPr id="1026" name="Picture 2" descr="C:\Users\Vanessa\Desktop\arquitectura.jpg"/>
+          <p:cNvPicPr>
+            <a:picLocks noChangeAspect="1" noChangeArrowheads="1"/>
+          </p:cNvPicPr>
           <p:nvPr/>
-        </p:nvSpPr>
-        <p:spPr>
+        </p:nvPicPr>
+        <p:blipFill>
+          <a:blip r:embed="rId3"/>
+          <a:srcRect/>
+          <a:stretch>
+            <a:fillRect/>
+          </a:stretch>
+        </p:blipFill>
+        <p:spPr bwMode="auto">
           <a:xfrm>
-            <a:off x="500034" y="1857364"/>
-            <a:ext cx="8001056" cy="4662815"/>
+            <a:off x="453449" y="1357298"/>
+            <a:ext cx="8190517" cy="5214974"/>
           </a:xfrm>
           <a:prstGeom prst="rect">
             <a:avLst/>
           </a:prstGeom>
+          <a:noFill/>
         </p:spPr>
-        <p:txBody>
-          <a:bodyPr wrap="square">
-            <a:spAutoFit/>
-          </a:bodyPr>
-          <a:lstStyle/>
-          <a:p>
-            <a:r>
-              <a:rPr sz="3300" smtClean="0">
-                <a:solidFill>
-                  <a:schemeClr val="tx2"/>
-                </a:solidFill>
-                <a:latin typeface="+mj-lt"/>
-                <a:ea typeface="+mj-ea"/>
-                <a:cs typeface="+mj-cs"/>
-              </a:rPr>
-              <a:t>Este tipo de arquitectura permite proveer servicios a multiples clientes mediante una unica instancia.</a:t>
-            </a:r>
-          </a:p>
-          <a:p>
-            <a:endParaRPr sz="3300" smtClean="0">
-              <a:solidFill>
-                <a:schemeClr val="tx2"/>
-              </a:solidFill>
-              <a:latin typeface="+mj-lt"/>
-              <a:ea typeface="+mj-ea"/>
-              <a:cs typeface="+mj-cs"/>
-            </a:endParaRPr>
-          </a:p>
-          <a:p>
-            <a:r>
-              <a:rPr sz="3300" smtClean="0">
-                <a:solidFill>
-                  <a:schemeClr val="tx2"/>
-                </a:solidFill>
-                <a:latin typeface="+mj-lt"/>
-                <a:ea typeface="+mj-ea"/>
-                <a:cs typeface="+mj-cs"/>
-              </a:rPr>
-              <a:t>Es posible crear un nuevo sitio (tenant) con solo crear un nuevo grupo en la BD.</a:t>
-            </a:r>
-            <a:br>
-              <a:rPr sz="3300" smtClean="0">
-                <a:solidFill>
-                  <a:schemeClr val="tx2"/>
-                </a:solidFill>
-                <a:latin typeface="+mj-lt"/>
-                <a:ea typeface="+mj-ea"/>
-                <a:cs typeface="+mj-cs"/>
-              </a:rPr>
-            </a:br>
-            <a:endParaRPr sz="3300" smtClean="0">
-              <a:solidFill>
-                <a:schemeClr val="tx2"/>
-              </a:solidFill>
-              <a:latin typeface="+mj-lt"/>
-              <a:ea typeface="+mj-ea"/>
-              <a:cs typeface="+mj-cs"/>
-            </a:endParaRPr>
-          </a:p>
-          <a:p>
-            <a:r>
-              <a:rPr sz="3300" smtClean="0">
-                <a:solidFill>
-                  <a:schemeClr val="tx2"/>
-                </a:solidFill>
-                <a:latin typeface="+mj-lt"/>
-                <a:ea typeface="+mj-ea"/>
-                <a:cs typeface="+mj-cs"/>
-              </a:rPr>
-              <a:t>La apariencia del sitio cambia en general con solo modificar un dato.</a:t>
-            </a:r>
-            <a:endParaRPr sz="3300" dirty="0" smtClean="0">
-              <a:solidFill>
-                <a:schemeClr val="tx2"/>
-              </a:solidFill>
-              <a:latin typeface="+mj-lt"/>
-              <a:ea typeface="+mj-ea"/>
-              <a:cs typeface="+mj-cs"/>
-            </a:endParaRPr>
-          </a:p>
-        </p:txBody>
-      </p:sp>
+      </p:pic>
     </p:spTree>
+    <p:extLst>
+      <p:ext uri="{BB962C8B-B14F-4D97-AF65-F5344CB8AC3E}">
+        <p14:creationId xmlns:p14="http://schemas.microsoft.com/office/powerpoint/2010/main" val="743421935"/>
+      </p:ext>
+    </p:extLst>
   </p:cSld>
   <p:clrMapOvr>
     <a:masterClrMapping/>
@@ -14465,14 +15156,44 @@
       </p:grpSpPr>
       <p:sp>
         <p:nvSpPr>
-          <p:cNvPr id="27" name="Rectangle 24"/>
+          <p:cNvPr id="28" name="Rectangle 6"/>
+          <p:cNvSpPr>
+            <a:spLocks noGrp="1"/>
+          </p:cNvSpPr>
+          <p:nvPr>
+            <p:ph type="title"/>
+          </p:nvPr>
+        </p:nvSpPr>
+        <p:spPr>
+          <a:xfrm>
+            <a:off x="642910" y="142852"/>
+            <a:ext cx="8229600" cy="1143000"/>
+          </a:xfrm>
+        </p:spPr>
+        <p:txBody>
+          <a:bodyPr/>
+          <a:lstStyle>
+            <a:extLst/>
+          </a:lstStyle>
+          <a:p>
+            <a:r>
+              <a:rPr lang="es-ES" dirty="0" smtClean="0"/>
+              <a:t>Arquitectura de la solución</a:t>
+            </a:r>
+            <a:endParaRPr lang="es-ES" dirty="0"/>
+          </a:p>
+        </p:txBody>
+      </p:sp>
+      <p:sp>
+        <p:nvSpPr>
+          <p:cNvPr id="5" name="4 CuadroTexto"/>
           <p:cNvSpPr txBox="1"/>
           <p:nvPr/>
         </p:nvSpPr>
         <p:spPr>
           <a:xfrm>
-            <a:off x="914400" y="1066800"/>
-            <a:ext cx="7543800" cy="523220"/>
+            <a:off x="539552" y="1484784"/>
+            <a:ext cx="8136904" cy="2862322"/>
           </a:xfrm>
           <a:prstGeom prst="rect">
             <a:avLst/>
@@ -14480,128 +15201,147 @@
           <a:noFill/>
         </p:spPr>
         <p:txBody>
-          <a:bodyPr wrap="square">
-            <a:spAutoFit/>
-          </a:bodyPr>
-          <a:lstStyle>
-            <a:extLst/>
-          </a:lstStyle>
-          <a:p>
-            <a:pPr marL="0" indent="0">
-              <a:buNone/>
-            </a:pPr>
-            <a:endParaRPr lang="es-ES" sz="2800"/>
-          </a:p>
-        </p:txBody>
-      </p:sp>
-      <p:sp>
-        <p:nvSpPr>
-          <p:cNvPr id="28" name="Rectangle 6"/>
-          <p:cNvSpPr>
-            <a:spLocks noGrp="1"/>
-          </p:cNvSpPr>
-          <p:nvPr>
-            <p:ph type="title"/>
-          </p:nvPr>
-        </p:nvSpPr>
-        <p:spPr>
-          <a:xfrm>
-            <a:off x="642910" y="142852"/>
-            <a:ext cx="8229600" cy="1143000"/>
-          </a:xfrm>
-        </p:spPr>
-        <p:txBody>
-          <a:bodyPr/>
-          <a:lstStyle>
-            <a:extLst/>
-          </a:lstStyle>
-          <a:p>
-            <a:r>
-              <a:rPr lang="es-ES" dirty="0" smtClean="0"/>
-              <a:t>Servicios</a:t>
-            </a:r>
-            <a:endParaRPr lang="es-ES" dirty="0"/>
-          </a:p>
-        </p:txBody>
-      </p:sp>
-      <p:sp>
-        <p:nvSpPr>
-          <p:cNvPr id="4" name="3 Rectángulo"/>
-          <p:cNvSpPr/>
-          <p:nvPr/>
-        </p:nvSpPr>
-        <p:spPr>
-          <a:xfrm>
-            <a:off x="500034" y="1857364"/>
-            <a:ext cx="8001056" cy="2631490"/>
-          </a:xfrm>
-          <a:prstGeom prst="rect">
-            <a:avLst/>
-          </a:prstGeom>
-        </p:spPr>
-        <p:txBody>
-          <a:bodyPr wrap="square">
+          <a:bodyPr wrap="square" rtlCol="0">
             <a:spAutoFit/>
           </a:bodyPr>
           <a:lstStyle/>
           <a:p>
             <a:r>
-              <a:rPr sz="3300" smtClean="0">
-                <a:solidFill>
-                  <a:schemeClr val="tx2"/>
-                </a:solidFill>
-                <a:latin typeface="+mj-lt"/>
-                <a:ea typeface="+mj-ea"/>
-                <a:cs typeface="+mj-cs"/>
-              </a:rPr>
-              <a:t>Ya que el negocio de la aplicaci</a:t>
-            </a:r>
-            <a:r>
-              <a:rPr lang="es-ES" sz="3300" dirty="0" smtClean="0">
-                <a:solidFill>
-                  <a:schemeClr val="tx2"/>
-                </a:solidFill>
-                <a:latin typeface="+mj-lt"/>
-                <a:ea typeface="+mj-ea"/>
-                <a:cs typeface="+mj-cs"/>
-              </a:rPr>
-              <a:t>ó</a:t>
-            </a:r>
-            <a:r>
-              <a:rPr sz="3300" smtClean="0">
-                <a:solidFill>
-                  <a:schemeClr val="tx2"/>
-                </a:solidFill>
-                <a:latin typeface="+mj-lt"/>
-                <a:ea typeface="+mj-ea"/>
-                <a:cs typeface="+mj-cs"/>
-              </a:rPr>
-              <a:t>n debe consumirse desde varias presentaciones, se utilizaron servicios WCF.</a:t>
-            </a:r>
-          </a:p>
-          <a:p>
-            <a:endParaRPr sz="3300" smtClean="0">
-              <a:solidFill>
-                <a:schemeClr val="tx2"/>
-              </a:solidFill>
-              <a:latin typeface="+mj-lt"/>
-              <a:ea typeface="+mj-ea"/>
-              <a:cs typeface="+mj-cs"/>
-            </a:endParaRPr>
-          </a:p>
-          <a:p>
-            <a:endParaRPr sz="3300" dirty="0" smtClean="0">
-              <a:solidFill>
-                <a:schemeClr val="tx2"/>
-              </a:solidFill>
-              <a:latin typeface="+mj-lt"/>
-              <a:ea typeface="+mj-ea"/>
-              <a:cs typeface="+mj-cs"/>
-            </a:endParaRPr>
+              <a:rPr lang="es-UY" dirty="0" err="1" smtClean="0"/>
+              <a:t>Presentation</a:t>
+            </a:r>
+            <a:r>
+              <a:rPr lang="es-UY" dirty="0" smtClean="0"/>
+              <a:t> </a:t>
+            </a:r>
+            <a:r>
+              <a:rPr lang="es-UY" dirty="0" err="1" smtClean="0"/>
+              <a:t>Layer</a:t>
+            </a:r>
+            <a:r>
+              <a:rPr lang="es-UY" dirty="0" smtClean="0"/>
+              <a:t>:</a:t>
+            </a:r>
+          </a:p>
+          <a:p>
+            <a:r>
+              <a:rPr lang="es-UY" dirty="0" smtClean="0"/>
+              <a:t>Esta capa es la que ve el usuario, presenta el sistema al </a:t>
+            </a:r>
+            <a:r>
+              <a:rPr lang="es-UY" dirty="0" err="1" smtClean="0"/>
+              <a:t>usaurio</a:t>
+            </a:r>
+            <a:r>
+              <a:rPr lang="es-UY" dirty="0" smtClean="0"/>
+              <a:t>, le comunica la información y captura la </a:t>
+            </a:r>
+            <a:r>
+              <a:rPr lang="es-UY" dirty="0" err="1" smtClean="0"/>
+              <a:t>informacion</a:t>
+            </a:r>
+            <a:r>
+              <a:rPr lang="es-UY" dirty="0" smtClean="0"/>
+              <a:t> del usuario.</a:t>
+            </a:r>
+          </a:p>
+          <a:p>
+            <a:endParaRPr lang="es-UY" dirty="0"/>
+          </a:p>
+          <a:p>
+            <a:r>
+              <a:rPr lang="es-UY" dirty="0" err="1" smtClean="0"/>
+              <a:t>Bussines</a:t>
+            </a:r>
+            <a:r>
+              <a:rPr lang="es-UY" dirty="0" smtClean="0"/>
+              <a:t> </a:t>
+            </a:r>
+            <a:r>
+              <a:rPr lang="es-UY" dirty="0" err="1" smtClean="0"/>
+              <a:t>Layer</a:t>
+            </a:r>
+            <a:r>
+              <a:rPr lang="es-UY" dirty="0" smtClean="0"/>
+              <a:t>:</a:t>
+            </a:r>
+          </a:p>
+          <a:p>
+            <a:r>
+              <a:rPr lang="es-UY" dirty="0" err="1" smtClean="0"/>
+              <a:t>Aquie</a:t>
+            </a:r>
+            <a:r>
+              <a:rPr lang="es-UY" dirty="0" smtClean="0"/>
+              <a:t> se  reciben peticiones del </a:t>
+            </a:r>
+            <a:r>
+              <a:rPr lang="es-UY" dirty="0" err="1" smtClean="0"/>
+              <a:t>usaurio</a:t>
+            </a:r>
+            <a:r>
+              <a:rPr lang="es-UY" dirty="0" smtClean="0"/>
+              <a:t> y se </a:t>
+            </a:r>
+            <a:r>
+              <a:rPr lang="es-UY" dirty="0" err="1" smtClean="0"/>
+              <a:t>envian</a:t>
+            </a:r>
+            <a:r>
+              <a:rPr lang="es-UY" dirty="0" smtClean="0"/>
+              <a:t> respuestas tras el proceso. Aquí se establecen todas las reglas a cumplirse.</a:t>
+            </a:r>
+          </a:p>
+          <a:p>
+            <a:endParaRPr lang="es-UY" dirty="0"/>
+          </a:p>
+          <a:p>
+            <a:r>
+              <a:rPr lang="es-UY" dirty="0" err="1" smtClean="0"/>
+              <a:t>Persistence</a:t>
+            </a:r>
+            <a:r>
+              <a:rPr lang="es-UY" dirty="0" smtClean="0"/>
+              <a:t> </a:t>
+            </a:r>
+            <a:r>
+              <a:rPr lang="es-UY" dirty="0" err="1" smtClean="0"/>
+              <a:t>Layer</a:t>
+            </a:r>
+            <a:r>
+              <a:rPr lang="es-UY" dirty="0" smtClean="0"/>
+              <a:t>: Aquí residen los datos y se acceden a los </a:t>
+            </a:r>
+            <a:r>
+              <a:rPr lang="es-UY" dirty="0" err="1" smtClean="0"/>
+              <a:t>mimsos</a:t>
+            </a:r>
+            <a:r>
+              <a:rPr lang="es-UY" dirty="0" smtClean="0"/>
+              <a:t> .Se reciben solicitudes de almacenamiento o </a:t>
+            </a:r>
+            <a:r>
+              <a:rPr lang="es-UY" dirty="0" err="1" smtClean="0"/>
+              <a:t>recuperacion</a:t>
+            </a:r>
+            <a:r>
+              <a:rPr lang="es-UY" dirty="0" smtClean="0"/>
+              <a:t> desde la capa </a:t>
+            </a:r>
+            <a:r>
+              <a:rPr lang="es-UY" smtClean="0"/>
+              <a:t>de negocios.</a:t>
+            </a:r>
+            <a:endParaRPr lang="es-UY" dirty="0" smtClean="0"/>
           </a:p>
         </p:txBody>
       </p:sp>
     </p:spTree>
+    <p:extLst>
+      <p:ext uri="{BB962C8B-B14F-4D97-AF65-F5344CB8AC3E}">
+        <p14:creationId xmlns:p14="http://schemas.microsoft.com/office/powerpoint/2010/main" val="234657373"/>
+      </p:ext>
+    </p:extLst>
   </p:cSld>
   <p:clrMapOvr>
     <a:masterClrMapping/>
@@ -14635,6 +15375,37 @@
       </p:grpSpPr>
       <p:sp>
         <p:nvSpPr>
+          <p:cNvPr id="27" name="Rectangle 24"/>
+          <p:cNvSpPr txBox="1"/>
+          <p:nvPr/>
+        </p:nvSpPr>
+        <p:spPr>
+          <a:xfrm>
+            <a:off x="914400" y="1066800"/>
+            <a:ext cx="7543800" cy="523220"/>
+          </a:xfrm>
+          <a:prstGeom prst="rect">
+            <a:avLst/>
+          </a:prstGeom>
+          <a:noFill/>
+        </p:spPr>
+        <p:txBody>
+          <a:bodyPr wrap="square">
+            <a:spAutoFit/>
+          </a:bodyPr>
+          <a:lstStyle>
+            <a:extLst/>
+          </a:lstStyle>
+          <a:p>
+            <a:pPr marL="0" indent="0">
+              <a:buNone/>
+            </a:pPr>
+            <a:endParaRPr lang="es-ES" sz="2800"/>
+          </a:p>
+        </p:txBody>
+      </p:sp>
+      <p:sp>
+        <p:nvSpPr>
           <p:cNvPr id="28" name="Rectangle 6"/>
           <p:cNvSpPr>
             <a:spLocks noGrp="1"/>
@@ -14650,6 +15421,335 @@
           </a:xfrm>
         </p:spPr>
         <p:txBody>
+          <a:bodyPr/>
+          <a:lstStyle>
+            <a:extLst/>
+          </a:lstStyle>
+          <a:p>
+            <a:r>
+              <a:rPr lang="es-ES" dirty="0" err="1" smtClean="0"/>
+              <a:t>Multi-Tenant</a:t>
+            </a:r>
+            <a:endParaRPr lang="es-ES" dirty="0"/>
+          </a:p>
+        </p:txBody>
+      </p:sp>
+      <p:sp>
+        <p:nvSpPr>
+          <p:cNvPr id="5" name="4 Rectángulo"/>
+          <p:cNvSpPr/>
+          <p:nvPr/>
+        </p:nvSpPr>
+        <p:spPr>
+          <a:xfrm>
+            <a:off x="500034" y="1857364"/>
+            <a:ext cx="8001056" cy="4662815"/>
+          </a:xfrm>
+          <a:prstGeom prst="rect">
+            <a:avLst/>
+          </a:prstGeom>
+        </p:spPr>
+        <p:txBody>
+          <a:bodyPr wrap="square">
+            <a:spAutoFit/>
+          </a:bodyPr>
+          <a:lstStyle/>
+          <a:p>
+            <a:r>
+              <a:rPr sz="3300" smtClean="0">
+                <a:solidFill>
+                  <a:schemeClr val="tx2"/>
+                </a:solidFill>
+                <a:latin typeface="+mj-lt"/>
+                <a:ea typeface="+mj-ea"/>
+                <a:cs typeface="+mj-cs"/>
+              </a:rPr>
+              <a:t>Este tipo de arquitectura permite proveer servicios a multiples clientes mediante una unica instancia.</a:t>
+            </a:r>
+          </a:p>
+          <a:p>
+            <a:endParaRPr sz="3300" smtClean="0">
+              <a:solidFill>
+                <a:schemeClr val="tx2"/>
+              </a:solidFill>
+              <a:latin typeface="+mj-lt"/>
+              <a:ea typeface="+mj-ea"/>
+              <a:cs typeface="+mj-cs"/>
+            </a:endParaRPr>
+          </a:p>
+          <a:p>
+            <a:r>
+              <a:rPr sz="3300" smtClean="0">
+                <a:solidFill>
+                  <a:schemeClr val="tx2"/>
+                </a:solidFill>
+                <a:latin typeface="+mj-lt"/>
+                <a:ea typeface="+mj-ea"/>
+                <a:cs typeface="+mj-cs"/>
+              </a:rPr>
+              <a:t>Es posible crear un nuevo sitio (tenant) con solo crear un nuevo grupo en la BD.</a:t>
+            </a:r>
+            <a:br>
+              <a:rPr sz="3300" smtClean="0">
+                <a:solidFill>
+                  <a:schemeClr val="tx2"/>
+                </a:solidFill>
+                <a:latin typeface="+mj-lt"/>
+                <a:ea typeface="+mj-ea"/>
+                <a:cs typeface="+mj-cs"/>
+              </a:rPr>
+            </a:br>
+            <a:endParaRPr sz="3300" smtClean="0">
+              <a:solidFill>
+                <a:schemeClr val="tx2"/>
+              </a:solidFill>
+              <a:latin typeface="+mj-lt"/>
+              <a:ea typeface="+mj-ea"/>
+              <a:cs typeface="+mj-cs"/>
+            </a:endParaRPr>
+          </a:p>
+          <a:p>
+            <a:r>
+              <a:rPr sz="3300" smtClean="0">
+                <a:solidFill>
+                  <a:schemeClr val="tx2"/>
+                </a:solidFill>
+                <a:latin typeface="+mj-lt"/>
+                <a:ea typeface="+mj-ea"/>
+                <a:cs typeface="+mj-cs"/>
+              </a:rPr>
+              <a:t>La apariencia del sitio cambia en general con solo modificar un dato.</a:t>
+            </a:r>
+            <a:endParaRPr sz="3300" dirty="0" smtClean="0">
+              <a:solidFill>
+                <a:schemeClr val="tx2"/>
+              </a:solidFill>
+              <a:latin typeface="+mj-lt"/>
+              <a:ea typeface="+mj-ea"/>
+              <a:cs typeface="+mj-cs"/>
+            </a:endParaRPr>
+          </a:p>
+        </p:txBody>
+      </p:sp>
+    </p:spTree>
+  </p:cSld>
+  <p:clrMapOvr>
+    <a:masterClrMapping/>
+  </p:clrMapOvr>
+  <p:timing>
+    <p:tnLst>
+      <p:par>
+        <p:cTn id="1" dur="indefinite" restart="never" nodeType="tmRoot"/>
+      </p:par>
+    </p:tnLst>
+  </p:timing>
+</p:sld>
+</file>
+
+<file path=ppt/slides/slide8.xml><?xml version="1.0" encoding="utf-8"?>
+<p:sld xmlns:a="http://schemas.openxmlformats.org/drawingml/2006/main" xmlns:r="http://schemas.openxmlformats.org/officeDocument/2006/relationships" xmlns:p="http://schemas.openxmlformats.org/presentationml/2006/main">
+  <p:cSld>
+    <p:spTree>
+      <p:nvGrpSpPr>
+        <p:cNvPr id="1" name=""/>
+        <p:cNvGrpSpPr/>
+        <p:nvPr/>
+      </p:nvGrpSpPr>
+      <p:grpSpPr>
+        <a:xfrm>
+          <a:off x="0" y="0"/>
+          <a:ext cx="0" cy="0"/>
+          <a:chOff x="0" y="0"/>
+          <a:chExt cx="0" cy="0"/>
+        </a:xfrm>
+      </p:grpSpPr>
+      <p:sp>
+        <p:nvSpPr>
+          <p:cNvPr id="27" name="Rectangle 24"/>
+          <p:cNvSpPr txBox="1"/>
+          <p:nvPr/>
+        </p:nvSpPr>
+        <p:spPr>
+          <a:xfrm>
+            <a:off x="914400" y="1066800"/>
+            <a:ext cx="7543800" cy="523220"/>
+          </a:xfrm>
+          <a:prstGeom prst="rect">
+            <a:avLst/>
+          </a:prstGeom>
+          <a:noFill/>
+        </p:spPr>
+        <p:txBody>
+          <a:bodyPr wrap="square">
+            <a:spAutoFit/>
+          </a:bodyPr>
+          <a:lstStyle>
+            <a:extLst/>
+          </a:lstStyle>
+          <a:p>
+            <a:pPr marL="0" indent="0">
+              <a:buNone/>
+            </a:pPr>
+            <a:endParaRPr lang="es-ES" sz="2800"/>
+          </a:p>
+        </p:txBody>
+      </p:sp>
+      <p:sp>
+        <p:nvSpPr>
+          <p:cNvPr id="28" name="Rectangle 6"/>
+          <p:cNvSpPr>
+            <a:spLocks noGrp="1"/>
+          </p:cNvSpPr>
+          <p:nvPr>
+            <p:ph type="title"/>
+          </p:nvPr>
+        </p:nvSpPr>
+        <p:spPr>
+          <a:xfrm>
+            <a:off x="642910" y="142852"/>
+            <a:ext cx="8229600" cy="1143000"/>
+          </a:xfrm>
+        </p:spPr>
+        <p:txBody>
+          <a:bodyPr/>
+          <a:lstStyle>
+            <a:extLst/>
+          </a:lstStyle>
+          <a:p>
+            <a:r>
+              <a:rPr lang="es-ES" dirty="0" smtClean="0"/>
+              <a:t>Servicios</a:t>
+            </a:r>
+            <a:endParaRPr lang="es-ES" dirty="0"/>
+          </a:p>
+        </p:txBody>
+      </p:sp>
+      <p:sp>
+        <p:nvSpPr>
+          <p:cNvPr id="4" name="3 Rectángulo"/>
+          <p:cNvSpPr/>
+          <p:nvPr/>
+        </p:nvSpPr>
+        <p:spPr>
+          <a:xfrm>
+            <a:off x="500034" y="1857364"/>
+            <a:ext cx="8001056" cy="2631490"/>
+          </a:xfrm>
+          <a:prstGeom prst="rect">
+            <a:avLst/>
+          </a:prstGeom>
+        </p:spPr>
+        <p:txBody>
+          <a:bodyPr wrap="square">
+            <a:spAutoFit/>
+          </a:bodyPr>
+          <a:lstStyle/>
+          <a:p>
+            <a:r>
+              <a:rPr sz="3300" smtClean="0">
+                <a:solidFill>
+                  <a:schemeClr val="tx2"/>
+                </a:solidFill>
+                <a:latin typeface="+mj-lt"/>
+                <a:ea typeface="+mj-ea"/>
+                <a:cs typeface="+mj-cs"/>
+              </a:rPr>
+              <a:t>Ya que el negocio de la aplicaci</a:t>
+            </a:r>
+            <a:r>
+              <a:rPr lang="es-ES" sz="3300" dirty="0" smtClean="0">
+                <a:solidFill>
+                  <a:schemeClr val="tx2"/>
+                </a:solidFill>
+                <a:latin typeface="+mj-lt"/>
+                <a:ea typeface="+mj-ea"/>
+                <a:cs typeface="+mj-cs"/>
+              </a:rPr>
+              <a:t>ó</a:t>
+            </a:r>
+            <a:r>
+              <a:rPr sz="3300" smtClean="0">
+                <a:solidFill>
+                  <a:schemeClr val="tx2"/>
+                </a:solidFill>
+                <a:latin typeface="+mj-lt"/>
+                <a:ea typeface="+mj-ea"/>
+                <a:cs typeface="+mj-cs"/>
+              </a:rPr>
+              <a:t>n debe consumirse desde varias presentaciones, se utilizaron servicios WCF.</a:t>
+            </a:r>
+          </a:p>
+          <a:p>
+            <a:endParaRPr sz="3300" smtClean="0">
+              <a:solidFill>
+                <a:schemeClr val="tx2"/>
+              </a:solidFill>
+              <a:latin typeface="+mj-lt"/>
+              <a:ea typeface="+mj-ea"/>
+              <a:cs typeface="+mj-cs"/>
+            </a:endParaRPr>
+          </a:p>
+          <a:p>
+            <a:endParaRPr sz="3300" dirty="0" smtClean="0">
+              <a:solidFill>
+                <a:schemeClr val="tx2"/>
+              </a:solidFill>
+              <a:latin typeface="+mj-lt"/>
+              <a:ea typeface="+mj-ea"/>
+              <a:cs typeface="+mj-cs"/>
+            </a:endParaRPr>
+          </a:p>
+        </p:txBody>
+      </p:sp>
+    </p:spTree>
+  </p:cSld>
+  <p:clrMapOvr>
+    <a:masterClrMapping/>
+  </p:clrMapOvr>
+  <p:timing>
+    <p:tnLst>
+      <p:par>
+        <p:cTn id="1" dur="indefinite" restart="never" nodeType="tmRoot"/>
+      </p:par>
+    </p:tnLst>
+  </p:timing>
+</p:sld>
+</file>
+
+<file path=ppt/slides/slide9.xml><?xml version="1.0" encoding="utf-8"?>
+<p:sld xmlns:a="http://schemas.openxmlformats.org/drawingml/2006/main" xmlns:r="http://schemas.openxmlformats.org/officeDocument/2006/relationships" xmlns:p="http://schemas.openxmlformats.org/presentationml/2006/main">
+  <p:cSld>
+    <p:spTree>
+      <p:nvGrpSpPr>
+        <p:cNvPr id="1" name=""/>
+        <p:cNvGrpSpPr/>
+        <p:nvPr/>
+      </p:nvGrpSpPr>
+      <p:grpSpPr>
+        <a:xfrm>
+          <a:off x="0" y="0"/>
+          <a:ext cx="0" cy="0"/>
+          <a:chOff x="0" y="0"/>
+          <a:chExt cx="0" cy="0"/>
+        </a:xfrm>
+      </p:grpSpPr>
+      <p:sp>
+        <p:nvSpPr>
+          <p:cNvPr id="28" name="Rectangle 6"/>
+          <p:cNvSpPr>
+            <a:spLocks noGrp="1"/>
+          </p:cNvSpPr>
+          <p:nvPr>
+            <p:ph type="title"/>
+          </p:nvPr>
+        </p:nvSpPr>
+        <p:spPr>
+          <a:xfrm>
+            <a:off x="642910" y="142852"/>
+            <a:ext cx="8229600" cy="1143000"/>
+          </a:xfrm>
+        </p:spPr>
+        <p:txBody>
           <a:bodyPr>
             <a:normAutofit/>
           </a:bodyPr>
@@ -14660,15 +15760,7 @@
             <a:pPr lvl="0"/>
             <a:r>
               <a:rPr lang="es-ES" dirty="0" smtClean="0"/>
-              <a:t>- </a:t>
-            </a:r>
-            <a:r>
-              <a:rPr lang="es-ES" dirty="0" smtClean="0"/>
-              <a:t>Mapa - Notificaciones</a:t>
-            </a:r>
-            <a:r>
-              <a:rPr lang="es-ES" dirty="0" smtClean="0"/>
-              <a:t>:</a:t>
+              <a:t>- Mapa - Notificaciones:</a:t>
             </a:r>
             <a:endParaRPr lang="es-ES" dirty="0"/>
           </a:p>
@@ -14745,557 +15837,6 @@
           <a:xfrm>
             <a:off x="2357422" y="5000636"/>
             <a:ext cx="6067180" cy="1419857"/>
-          </a:xfrm>
-          <a:prstGeom prst="rect">
-            <a:avLst/>
-          </a:prstGeom>
-          <a:noFill/>
-        </p:spPr>
-      </p:pic>
-    </p:spTree>
-  </p:cSld>
-  <p:clrMapOvr>
-    <a:masterClrMapping/>
-  </p:clrMapOvr>
-  <p:timing>
-    <p:tnLst>
-      <p:par>
-        <p:cTn id="1" dur="indefinite" restart="never" nodeType="tmRoot"/>
-      </p:par>
-    </p:tnLst>
-  </p:timing>
-</p:sld>
-</file>
-
-<file path=ppt/slides/slide8.xml><?xml version="1.0" encoding="utf-8"?>
-<p:sld xmlns:a="http://schemas.openxmlformats.org/drawingml/2006/main" xmlns:r="http://schemas.openxmlformats.org/officeDocument/2006/relationships" xmlns:p="http://schemas.openxmlformats.org/presentationml/2006/main">
-  <p:cSld>
-    <p:spTree>
-      <p:nvGrpSpPr>
-        <p:cNvPr id="1" name=""/>
-        <p:cNvGrpSpPr/>
-        <p:nvPr/>
-      </p:nvGrpSpPr>
-      <p:grpSpPr>
-        <a:xfrm>
-          <a:off x="0" y="0"/>
-          <a:ext cx="0" cy="0"/>
-          <a:chOff x="0" y="0"/>
-          <a:chExt cx="0" cy="0"/>
-        </a:xfrm>
-      </p:grpSpPr>
-      <p:sp>
-        <p:nvSpPr>
-          <p:cNvPr id="28" name="Rectangle 6"/>
-          <p:cNvSpPr>
-            <a:spLocks noGrp="1"/>
-          </p:cNvSpPr>
-          <p:nvPr>
-            <p:ph type="title"/>
-          </p:nvPr>
-        </p:nvSpPr>
-        <p:spPr>
-          <a:xfrm>
-            <a:off x="642910" y="142852"/>
-            <a:ext cx="8229600" cy="1143000"/>
-          </a:xfrm>
-        </p:spPr>
-        <p:txBody>
-          <a:bodyPr/>
-          <a:lstStyle>
-            <a:extLst/>
-          </a:lstStyle>
-          <a:p>
-            <a:r>
-              <a:rPr lang="es-ES" dirty="0" smtClean="0"/>
-              <a:t>Seguridad</a:t>
-            </a:r>
-            <a:r>
-              <a:rPr lang="es-ES" dirty="0" smtClean="0"/>
-              <a:t>:</a:t>
-            </a:r>
-            <a:endParaRPr lang="es-ES" dirty="0"/>
-          </a:p>
-        </p:txBody>
-      </p:sp>
-      <p:sp>
-        <p:nvSpPr>
-          <p:cNvPr id="6" name="Rectangle 6"/>
-          <p:cNvSpPr txBox="1">
-            <a:spLocks/>
-          </p:cNvSpPr>
-          <p:nvPr/>
-        </p:nvSpPr>
-        <p:spPr>
-          <a:xfrm>
-            <a:off x="571472" y="1571612"/>
-            <a:ext cx="8229600" cy="1143000"/>
-          </a:xfrm>
-          <a:prstGeom prst="rect">
-            <a:avLst/>
-          </a:prstGeom>
-        </p:spPr>
-        <p:txBody>
-          <a:bodyPr vert="horz" lIns="0" rIns="0" bIns="0" anchor="b">
-            <a:normAutofit/>
-          </a:bodyPr>
-          <a:lstStyle>
-            <a:extLst/>
-          </a:lstStyle>
-          <a:p>
-            <a:pPr marL="0" marR="0" lvl="0" indent="0" algn="l" defTabSz="914400" rtl="0" eaLnBrk="1" fontAlgn="auto" latinLnBrk="0" hangingPunct="1">
-              <a:lnSpc>
-                <a:spcPct val="100000"/>
-              </a:lnSpc>
-              <a:spcBef>
-                <a:spcPct val="0"/>
-              </a:spcBef>
-              <a:spcAft>
-                <a:spcPts val="0"/>
-              </a:spcAft>
-              <a:buClrTx/>
-              <a:buSzTx/>
-              <a:buFontTx/>
-              <a:buNone/>
-              <a:tabLst/>
-              <a:defRPr/>
-            </a:pPr>
-            <a:r>
-              <a:rPr sz="3600" smtClean="0">
-                <a:solidFill>
-                  <a:schemeClr val="tx2"/>
-                </a:solidFill>
-                <a:latin typeface="+mj-lt"/>
-                <a:ea typeface="+mj-ea"/>
-                <a:cs typeface="+mj-cs"/>
-              </a:rPr>
-              <a:t>-Provee encriptación password usuario</a:t>
-            </a:r>
-          </a:p>
-          <a:p>
-            <a:pPr marL="0" marR="0" lvl="0" indent="0" algn="l" defTabSz="914400" rtl="0" eaLnBrk="1" fontAlgn="auto" latinLnBrk="0" hangingPunct="1">
-              <a:lnSpc>
-                <a:spcPct val="100000"/>
-              </a:lnSpc>
-              <a:spcBef>
-                <a:spcPct val="0"/>
-              </a:spcBef>
-              <a:spcAft>
-                <a:spcPts val="0"/>
-              </a:spcAft>
-              <a:buClrTx/>
-              <a:buSzTx/>
-              <a:buFontTx/>
-              <a:buNone/>
-              <a:tabLst/>
-              <a:defRPr/>
-            </a:pPr>
-            <a:endParaRPr kumimoji="0" lang="es-ES" sz="3600" b="0" i="0" u="none" strike="noStrike" kern="1200" cap="none" spc="0" normalizeH="0" baseline="0" noProof="0" dirty="0">
-              <a:ln>
-                <a:noFill/>
-              </a:ln>
-              <a:solidFill>
-                <a:schemeClr val="tx2"/>
-              </a:solidFill>
-              <a:effectLst/>
-              <a:uLnTx/>
-              <a:uFillTx/>
-              <a:latin typeface="+mj-lt"/>
-              <a:ea typeface="+mj-ea"/>
-              <a:cs typeface="+mj-cs"/>
-            </a:endParaRPr>
-          </a:p>
-        </p:txBody>
-      </p:sp>
-      <p:pic>
-        <p:nvPicPr>
-          <p:cNvPr id="3076" name="Picture 4" descr="C:\Users\Vanessa\Desktop\password.jpg"/>
-          <p:cNvPicPr>
-            <a:picLocks noChangeAspect="1" noChangeArrowheads="1"/>
-          </p:cNvPicPr>
-          <p:nvPr/>
-        </p:nvPicPr>
-        <p:blipFill>
-          <a:blip r:embed="rId3"/>
-          <a:srcRect/>
-          <a:stretch>
-            <a:fillRect/>
-          </a:stretch>
-        </p:blipFill>
-        <p:spPr bwMode="auto">
-          <a:xfrm>
-            <a:off x="714348" y="2928934"/>
-            <a:ext cx="7191375" cy="1562100"/>
-          </a:xfrm>
-          <a:prstGeom prst="rect">
-            <a:avLst/>
-          </a:prstGeom>
-          <a:noFill/>
-        </p:spPr>
-      </p:pic>
-      <p:sp>
-        <p:nvSpPr>
-          <p:cNvPr id="8" name="Rectangle 6"/>
-          <p:cNvSpPr txBox="1">
-            <a:spLocks/>
-          </p:cNvSpPr>
-          <p:nvPr/>
-        </p:nvSpPr>
-        <p:spPr>
-          <a:xfrm>
-            <a:off x="571472" y="4429132"/>
-            <a:ext cx="8229600" cy="1857388"/>
-          </a:xfrm>
-          <a:prstGeom prst="rect">
-            <a:avLst/>
-          </a:prstGeom>
-        </p:spPr>
-        <p:txBody>
-          <a:bodyPr vert="horz" lIns="0" rIns="0" bIns="0" anchor="b">
-            <a:normAutofit fontScale="92500" lnSpcReduction="10000"/>
-          </a:bodyPr>
-          <a:lstStyle>
-            <a:extLst/>
-          </a:lstStyle>
-          <a:p>
-            <a:pPr marL="0" marR="0" lvl="0" indent="0" algn="l" defTabSz="914400" rtl="0" eaLnBrk="1" fontAlgn="auto" latinLnBrk="0" hangingPunct="1">
-              <a:lnSpc>
-                <a:spcPct val="100000"/>
-              </a:lnSpc>
-              <a:spcBef>
-                <a:spcPct val="0"/>
-              </a:spcBef>
-              <a:spcAft>
-                <a:spcPts val="0"/>
-              </a:spcAft>
-              <a:buClrTx/>
-              <a:buSzTx/>
-              <a:tabLst/>
-              <a:defRPr/>
-            </a:pPr>
-            <a:r>
-              <a:rPr sz="3600" smtClean="0">
-                <a:solidFill>
-                  <a:schemeClr val="tx2"/>
-                </a:solidFill>
-                <a:latin typeface="+mj-lt"/>
-                <a:ea typeface="+mj-ea"/>
-                <a:cs typeface="+mj-cs"/>
-              </a:rPr>
-              <a:t>Controles de seguridad previstos:</a:t>
-            </a:r>
-          </a:p>
-          <a:p>
-            <a:pPr marL="0" marR="0" lvl="0" indent="0" algn="l" defTabSz="914400" rtl="0" eaLnBrk="1" fontAlgn="auto" latinLnBrk="0" hangingPunct="1">
-              <a:lnSpc>
-                <a:spcPct val="100000"/>
-              </a:lnSpc>
-              <a:spcBef>
-                <a:spcPct val="0"/>
-              </a:spcBef>
-              <a:spcAft>
-                <a:spcPts val="0"/>
-              </a:spcAft>
-              <a:buClrTx/>
-              <a:buSzTx/>
-              <a:buFontTx/>
-              <a:buChar char="-"/>
-              <a:tabLst/>
-              <a:defRPr/>
-            </a:pPr>
-            <a:r>
-              <a:rPr kumimoji="0" sz="3600" b="0" i="0" u="none" strike="noStrike" kern="1200" cap="none" spc="0" normalizeH="0" baseline="0" noProof="0" smtClean="0">
-                <a:ln>
-                  <a:noFill/>
-                </a:ln>
-                <a:solidFill>
-                  <a:schemeClr val="tx2"/>
-                </a:solidFill>
-                <a:effectLst/>
-                <a:uLnTx/>
-                <a:uFillTx/>
-                <a:latin typeface="+mj-lt"/>
-                <a:ea typeface="+mj-ea"/>
-                <a:cs typeface="+mj-cs"/>
-              </a:rPr>
-              <a:t>Recuperacion Usuario y contraseña.</a:t>
-            </a:r>
-          </a:p>
-          <a:p>
-            <a:pPr marL="0" marR="0" lvl="0" indent="0" algn="l" defTabSz="914400" rtl="0" eaLnBrk="1" fontAlgn="auto" latinLnBrk="0" hangingPunct="1">
-              <a:lnSpc>
-                <a:spcPct val="100000"/>
-              </a:lnSpc>
-              <a:spcBef>
-                <a:spcPct val="0"/>
-              </a:spcBef>
-              <a:spcAft>
-                <a:spcPts val="0"/>
-              </a:spcAft>
-              <a:buClrTx/>
-              <a:buSzTx/>
-              <a:buFontTx/>
-              <a:buChar char="-"/>
-              <a:tabLst/>
-              <a:defRPr/>
-            </a:pPr>
-            <a:r>
-              <a:rPr kumimoji="0" sz="3600" b="0" i="0" u="none" strike="noStrike" kern="1200" cap="none" spc="0" normalizeH="0" baseline="0" noProof="0" smtClean="0">
-                <a:ln>
-                  <a:noFill/>
-                </a:ln>
-                <a:solidFill>
-                  <a:schemeClr val="tx2"/>
-                </a:solidFill>
-                <a:effectLst/>
-                <a:uLnTx/>
-                <a:uFillTx/>
-                <a:latin typeface="+mj-lt"/>
-                <a:ea typeface="+mj-ea"/>
-                <a:cs typeface="+mj-cs"/>
-              </a:rPr>
-              <a:t>Confirmación</a:t>
-            </a:r>
-            <a:r>
-              <a:rPr kumimoji="0" sz="3600" b="0" i="0" u="none" strike="noStrike" kern="1200" cap="none" spc="0" normalizeH="0" noProof="0" smtClean="0">
-                <a:ln>
-                  <a:noFill/>
-                </a:ln>
-                <a:solidFill>
-                  <a:schemeClr val="tx2"/>
-                </a:solidFill>
-                <a:effectLst/>
-                <a:uLnTx/>
-                <a:uFillTx/>
-                <a:latin typeface="+mj-lt"/>
-                <a:ea typeface="+mj-ea"/>
-                <a:cs typeface="+mj-cs"/>
-              </a:rPr>
-              <a:t> correo electronico</a:t>
-            </a:r>
-          </a:p>
-          <a:p>
-            <a:pPr marL="0" marR="0" lvl="0" indent="0" algn="l" defTabSz="914400" rtl="0" eaLnBrk="1" fontAlgn="auto" latinLnBrk="0" hangingPunct="1">
-              <a:lnSpc>
-                <a:spcPct val="100000"/>
-              </a:lnSpc>
-              <a:spcBef>
-                <a:spcPct val="0"/>
-              </a:spcBef>
-              <a:spcAft>
-                <a:spcPts val="0"/>
-              </a:spcAft>
-              <a:buClrTx/>
-              <a:buSzTx/>
-              <a:buFontTx/>
-              <a:buChar char="-"/>
-              <a:tabLst/>
-              <a:defRPr/>
-            </a:pPr>
-            <a:r>
-              <a:rPr sz="3600" baseline="0" smtClean="0">
-                <a:solidFill>
-                  <a:schemeClr val="tx2"/>
-                </a:solidFill>
-                <a:latin typeface="+mj-lt"/>
-                <a:ea typeface="+mj-ea"/>
-                <a:cs typeface="+mj-cs"/>
-              </a:rPr>
-              <a:t>Captcha</a:t>
-            </a:r>
-            <a:endParaRPr kumimoji="0" lang="es-ES" sz="3600" b="0" i="0" u="none" strike="noStrike" kern="1200" cap="none" spc="0" normalizeH="0" baseline="0" noProof="0" dirty="0">
-              <a:ln>
-                <a:noFill/>
-              </a:ln>
-              <a:solidFill>
-                <a:schemeClr val="tx2"/>
-              </a:solidFill>
-              <a:effectLst/>
-              <a:uLnTx/>
-              <a:uFillTx/>
-              <a:latin typeface="+mj-lt"/>
-              <a:ea typeface="+mj-ea"/>
-              <a:cs typeface="+mj-cs"/>
-            </a:endParaRPr>
-          </a:p>
-        </p:txBody>
-      </p:sp>
-    </p:spTree>
-  </p:cSld>
-  <p:clrMapOvr>
-    <a:masterClrMapping/>
-  </p:clrMapOvr>
-  <p:timing>
-    <p:tnLst>
-      <p:par>
-        <p:cTn id="1" dur="indefinite" restart="never" nodeType="tmRoot"/>
-      </p:par>
-    </p:tnLst>
-  </p:timing>
-</p:sld>
-</file>
-
-<file path=ppt/slides/slide9.xml><?xml version="1.0" encoding="utf-8"?>
-<p:sld xmlns:a="http://schemas.openxmlformats.org/drawingml/2006/main" xmlns:r="http://schemas.openxmlformats.org/officeDocument/2006/relationships" xmlns:p="http://schemas.openxmlformats.org/presentationml/2006/main">
-  <p:cSld>
-    <p:spTree>
-      <p:nvGrpSpPr>
-        <p:cNvPr id="1" name=""/>
-        <p:cNvGrpSpPr/>
-        <p:nvPr/>
-      </p:nvGrpSpPr>
-      <p:grpSpPr>
-        <a:xfrm>
-          <a:off x="0" y="0"/>
-          <a:ext cx="0" cy="0"/>
-          <a:chOff x="0" y="0"/>
-          <a:chExt cx="0" cy="0"/>
-        </a:xfrm>
-      </p:grpSpPr>
-      <p:sp>
-        <p:nvSpPr>
-          <p:cNvPr id="28" name="Rectangle 6"/>
-          <p:cNvSpPr>
-            <a:spLocks noGrp="1"/>
-          </p:cNvSpPr>
-          <p:nvPr>
-            <p:ph type="title"/>
-          </p:nvPr>
-        </p:nvSpPr>
-        <p:spPr>
-          <a:xfrm>
-            <a:off x="642910" y="142852"/>
-            <a:ext cx="8229600" cy="1143000"/>
-          </a:xfrm>
-        </p:spPr>
-        <p:txBody>
-          <a:bodyPr/>
-          <a:lstStyle>
-            <a:extLst/>
-          </a:lstStyle>
-          <a:p>
-            <a:r>
-              <a:rPr lang="es-ES" dirty="0" smtClean="0"/>
-              <a:t>Integración:</a:t>
-            </a:r>
-            <a:endParaRPr lang="es-ES" dirty="0"/>
-          </a:p>
-        </p:txBody>
-      </p:sp>
-      <p:sp>
-        <p:nvSpPr>
-          <p:cNvPr id="9" name="Rectangle 6"/>
-          <p:cNvSpPr txBox="1">
-            <a:spLocks/>
-          </p:cNvSpPr>
-          <p:nvPr/>
-        </p:nvSpPr>
-        <p:spPr>
-          <a:xfrm>
-            <a:off x="642910" y="1357298"/>
-            <a:ext cx="8229600" cy="1857388"/>
-          </a:xfrm>
-          <a:prstGeom prst="rect">
-            <a:avLst/>
-          </a:prstGeom>
-        </p:spPr>
-        <p:txBody>
-          <a:bodyPr vert="horz" lIns="0" rIns="0" bIns="0" anchor="b">
-            <a:normAutofit/>
-          </a:bodyPr>
-          <a:lstStyle>
-            <a:extLst/>
-          </a:lstStyle>
-          <a:p>
-            <a:pPr marL="0" marR="0" lvl="0" indent="0" algn="l" defTabSz="914400" rtl="0" eaLnBrk="1" fontAlgn="auto" latinLnBrk="0" hangingPunct="1">
-              <a:lnSpc>
-                <a:spcPct val="100000"/>
-              </a:lnSpc>
-              <a:spcBef>
-                <a:spcPct val="0"/>
-              </a:spcBef>
-              <a:spcAft>
-                <a:spcPts val="0"/>
-              </a:spcAft>
-              <a:buClrTx/>
-              <a:buSzTx/>
-              <a:buFontTx/>
-              <a:buChar char="-"/>
-              <a:tabLst/>
-              <a:defRPr/>
-            </a:pPr>
-            <a:r>
-              <a:rPr kumimoji="0" sz="3600" b="0" i="0" u="none" strike="noStrike" kern="1200" cap="none" spc="0" normalizeH="0" noProof="0" smtClean="0">
-                <a:ln>
-                  <a:noFill/>
-                </a:ln>
-                <a:solidFill>
-                  <a:schemeClr val="tx2"/>
-                </a:solidFill>
-                <a:effectLst/>
-                <a:uLnTx/>
-                <a:uFillTx/>
-                <a:latin typeface="+mj-lt"/>
-                <a:ea typeface="+mj-ea"/>
-                <a:cs typeface="+mj-cs"/>
-              </a:rPr>
-              <a:t>Se logra integración entre aplicaciones.</a:t>
-            </a:r>
-          </a:p>
-          <a:p>
-            <a:pPr marL="0" marR="0" lvl="0" indent="0" algn="l" defTabSz="914400" rtl="0" eaLnBrk="1" fontAlgn="auto" latinLnBrk="0" hangingPunct="1">
-              <a:lnSpc>
-                <a:spcPct val="100000"/>
-              </a:lnSpc>
-              <a:spcBef>
-                <a:spcPct val="0"/>
-              </a:spcBef>
-              <a:spcAft>
-                <a:spcPts val="0"/>
-              </a:spcAft>
-              <a:buClrTx/>
-              <a:buSzTx/>
-              <a:buFontTx/>
-              <a:buChar char="-"/>
-              <a:tabLst/>
-              <a:defRPr/>
-            </a:pPr>
-            <a:endParaRPr kumimoji="0" sz="3600" b="0" i="0" u="none" strike="noStrike" kern="1200" cap="none" spc="0" normalizeH="0" noProof="0" smtClean="0">
-              <a:ln>
-                <a:noFill/>
-              </a:ln>
-              <a:solidFill>
-                <a:schemeClr val="tx2"/>
-              </a:solidFill>
-              <a:effectLst/>
-              <a:uLnTx/>
-              <a:uFillTx/>
-              <a:latin typeface="+mj-lt"/>
-              <a:ea typeface="+mj-ea"/>
-              <a:cs typeface="+mj-cs"/>
-            </a:endParaRPr>
-          </a:p>
-        </p:txBody>
-      </p:sp>
-      <p:pic>
-        <p:nvPicPr>
-          <p:cNvPr id="4098" name="Picture 2" descr="C:\Users\Vanessa\Desktop\integracion.jpg"/>
-          <p:cNvPicPr>
-            <a:picLocks noChangeAspect="1" noChangeArrowheads="1"/>
-          </p:cNvPicPr>
-          <p:nvPr/>
-        </p:nvPicPr>
-        <p:blipFill>
-          <a:blip r:embed="rId3"/>
-          <a:srcRect/>
-          <a:stretch>
-            <a:fillRect/>
-          </a:stretch>
-        </p:blipFill>
-        <p:spPr bwMode="auto">
-          <a:xfrm>
-            <a:off x="2357422" y="2857496"/>
-            <a:ext cx="3895725" cy="3333750"/>
           </a:xfrm>
           <a:prstGeom prst="rect">
             <a:avLst/>
